--- a/project-sports-analytics-nhl2.0v2.pptx
+++ b/project-sports-analytics-nhl2.0v2.pptx
@@ -230,7 +230,7 @@
           <a:p>
             <a:fld id="{5EA28068-AFBD-4979-B752-9EB6F90B1386}" type="datetimeFigureOut">
               <a:rPr lang="en-US" smtClean="0"/>
-              <a:t>8/7/2023</a:t>
+              <a:t>8/8/2023</a:t>
             </a:fld>
             <a:endParaRPr lang="en-US" dirty="0"/>
           </a:p>
@@ -12814,67 +12814,66 @@
           <a:chExt cx="0" cy="0"/>
         </a:xfrm>
       </p:grpSpPr>
-      <p:sp>
-        <p:nvSpPr>
-          <p:cNvPr id="4" name="Title 3"/>
-          <p:cNvSpPr>
-            <a:spLocks noGrp="1"/>
-          </p:cNvSpPr>
-          <p:nvPr>
-            <p:ph type="title"/>
-          </p:nvPr>
-        </p:nvSpPr>
-        <p:spPr/>
-        <p:txBody>
-          <a:bodyPr/>
-          <a:lstStyle/>
-          <a:p>
-            <a:r>
-              <a:rPr lang="en-US" dirty="0" err="1"/>
-              <a:t>Dfss</a:t>
-            </a:r>
-            <a:r>
-              <a:rPr lang="en-US" dirty="0"/>
-              <a:t>:</a:t>
-            </a:r>
-          </a:p>
-        </p:txBody>
-      </p:sp>
-      <p:sp>
-        <p:nvSpPr>
-          <p:cNvPr id="5" name="Content Placeholder 4"/>
-          <p:cNvSpPr>
-            <a:spLocks noGrp="1"/>
-          </p:cNvSpPr>
-          <p:nvPr>
-            <p:ph idx="1"/>
-          </p:nvPr>
-        </p:nvSpPr>
+      <p:pic>
+        <p:nvPicPr>
+          <p:cNvPr id="3" name="Picture 2">
+            <a:extLst>
+              <a:ext uri="{FF2B5EF4-FFF2-40B4-BE49-F238E27FC236}">
+                <a16:creationId xmlns:a16="http://schemas.microsoft.com/office/drawing/2014/main" id="{DB277686-281A-CAF1-B466-3A4AAA5B5F8F}"/>
+              </a:ext>
+            </a:extLst>
+          </p:cNvPr>
+          <p:cNvPicPr>
+            <a:picLocks noChangeAspect="1"/>
+          </p:cNvPicPr>
+          <p:nvPr/>
+        </p:nvPicPr>
+        <p:blipFill>
+          <a:blip r:embed="rId3"/>
+          <a:stretch>
+            <a:fillRect/>
+          </a:stretch>
+        </p:blipFill>
         <p:spPr>
           <a:xfrm>
-            <a:off x="838200" y="1825625"/>
-            <a:ext cx="5381445" cy="4351338"/>
+            <a:off x="1554086" y="280143"/>
+            <a:ext cx="9083827" cy="6297714"/>
           </a:xfrm>
+          <a:prstGeom prst="rect">
+            <a:avLst/>
+          </a:prstGeom>
         </p:spPr>
-        <p:txBody>
-          <a:bodyPr>
-            <a:normAutofit/>
-          </a:bodyPr>
-          <a:lstStyle/>
-          <a:p>
-            <a:r>
-              <a:rPr lang="en-US" sz="1800" dirty="0">
-                <a:effectLst/>
-                <a:latin typeface="Calibri" panose="020F0502020204030204" pitchFamily="34" charset="0"/>
-                <a:ea typeface="Calibri" panose="020F0502020204030204" pitchFamily="34" charset="0"/>
-                <a:cs typeface="Times New Roman" panose="02020603050405020304" pitchFamily="18" charset="0"/>
-              </a:rPr>
-              <a:t>a</a:t>
-            </a:r>
-            <a:endParaRPr lang="en-US" dirty="0"/>
-          </a:p>
-        </p:txBody>
-      </p:sp>
+      </p:pic>
+      <p:pic>
+        <p:nvPicPr>
+          <p:cNvPr id="10" name="Picture 9">
+            <a:extLst>
+              <a:ext uri="{FF2B5EF4-FFF2-40B4-BE49-F238E27FC236}">
+                <a16:creationId xmlns:a16="http://schemas.microsoft.com/office/drawing/2014/main" id="{2A611862-8E36-97E6-381E-E94411C9C606}"/>
+              </a:ext>
+            </a:extLst>
+          </p:cNvPr>
+          <p:cNvPicPr>
+            <a:picLocks noChangeAspect="1"/>
+          </p:cNvPicPr>
+          <p:nvPr/>
+        </p:nvPicPr>
+        <p:blipFill>
+          <a:blip r:embed="rId4"/>
+          <a:stretch>
+            <a:fillRect/>
+          </a:stretch>
+        </p:blipFill>
+        <p:spPr>
+          <a:xfrm>
+            <a:off x="1554086" y="2727602"/>
+            <a:ext cx="8796921" cy="3850255"/>
+          </a:xfrm>
+          <a:prstGeom prst="rect">
+            <a:avLst/>
+          </a:prstGeom>
+        </p:spPr>
+      </p:pic>
     </p:spTree>
     <p:extLst>
       <p:ext uri="{BB962C8B-B14F-4D97-AF65-F5344CB8AC3E}">
@@ -14479,14 +14478,14 @@
         </p:spPr>
         <p:txBody>
           <a:bodyPr>
-            <a:normAutofit fontScale="90000"/>
+            <a:normAutofit/>
           </a:bodyPr>
           <a:lstStyle/>
           <a:p>
             <a:pPr algn="l"/>
             <a:r>
               <a:rPr lang="en-US" dirty="0"/>
-              <a:t>Winning team comparison</a:t>
+              <a:t>Team comparison</a:t>
             </a:r>
           </a:p>
         </p:txBody>
@@ -14625,67 +14624,36 @@
           <a:chExt cx="0" cy="0"/>
         </a:xfrm>
       </p:grpSpPr>
-      <p:sp>
-        <p:nvSpPr>
-          <p:cNvPr id="4" name="Title 3"/>
-          <p:cNvSpPr>
-            <a:spLocks noGrp="1"/>
-          </p:cNvSpPr>
-          <p:nvPr>
-            <p:ph type="title"/>
-          </p:nvPr>
-        </p:nvSpPr>
-        <p:spPr/>
-        <p:txBody>
-          <a:bodyPr/>
-          <a:lstStyle/>
-          <a:p>
-            <a:r>
-              <a:rPr lang="en-US" dirty="0" err="1"/>
-              <a:t>Dfss</a:t>
-            </a:r>
-            <a:r>
-              <a:rPr lang="en-US" dirty="0"/>
-              <a:t>:</a:t>
-            </a:r>
-          </a:p>
-        </p:txBody>
-      </p:sp>
-      <p:sp>
-        <p:nvSpPr>
-          <p:cNvPr id="5" name="Content Placeholder 4"/>
-          <p:cNvSpPr>
-            <a:spLocks noGrp="1"/>
-          </p:cNvSpPr>
-          <p:nvPr>
-            <p:ph idx="1"/>
-          </p:nvPr>
-        </p:nvSpPr>
+      <p:pic>
+        <p:nvPicPr>
+          <p:cNvPr id="3" name="Picture 2">
+            <a:extLst>
+              <a:ext uri="{FF2B5EF4-FFF2-40B4-BE49-F238E27FC236}">
+                <a16:creationId xmlns:a16="http://schemas.microsoft.com/office/drawing/2014/main" id="{8613C638-ED8B-6A97-D93E-60FA1C47FC70}"/>
+              </a:ext>
+            </a:extLst>
+          </p:cNvPr>
+          <p:cNvPicPr>
+            <a:picLocks noChangeAspect="1"/>
+          </p:cNvPicPr>
+          <p:nvPr/>
+        </p:nvPicPr>
+        <p:blipFill>
+          <a:blip r:embed="rId3"/>
+          <a:stretch>
+            <a:fillRect/>
+          </a:stretch>
+        </p:blipFill>
         <p:spPr>
           <a:xfrm>
-            <a:off x="838200" y="1825625"/>
-            <a:ext cx="5381445" cy="4351338"/>
+            <a:off x="1554086" y="277857"/>
+            <a:ext cx="9083827" cy="6302286"/>
           </a:xfrm>
+          <a:prstGeom prst="rect">
+            <a:avLst/>
+          </a:prstGeom>
         </p:spPr>
-        <p:txBody>
-          <a:bodyPr>
-            <a:normAutofit/>
-          </a:bodyPr>
-          <a:lstStyle/>
-          <a:p>
-            <a:r>
-              <a:rPr lang="en-US" sz="1800" dirty="0">
-                <a:effectLst/>
-                <a:latin typeface="Calibri" panose="020F0502020204030204" pitchFamily="34" charset="0"/>
-                <a:ea typeface="Calibri" panose="020F0502020204030204" pitchFamily="34" charset="0"/>
-                <a:cs typeface="Times New Roman" panose="02020603050405020304" pitchFamily="18" charset="0"/>
-              </a:rPr>
-              <a:t>a</a:t>
-            </a:r>
-            <a:endParaRPr lang="en-US" dirty="0"/>
-          </a:p>
-        </p:txBody>
-      </p:sp>
+      </p:pic>
     </p:spTree>
     <p:extLst>
       <p:ext uri="{BB962C8B-B14F-4D97-AF65-F5344CB8AC3E}">
@@ -14741,7 +14709,7 @@
             <a:pPr algn="l"/>
             <a:r>
               <a:rPr lang="en-US" dirty="0"/>
-              <a:t>Player statistics information</a:t>
+              <a:t>Stanley Cup winning team</a:t>
             </a:r>
           </a:p>
         </p:txBody>
@@ -14776,7 +14744,7 @@
                   </a:schemeClr>
                 </a:solidFill>
               </a:rPr>
-              <a:t>Select the season and drill down to view any player’s key performance indicators for that season</a:t>
+              <a:t>Select the season and see statistics specifically on the Stanley Cup winning team’s performance!</a:t>
             </a:r>
           </a:p>
         </p:txBody>
@@ -15450,21 +15418,21 @@
 </file>
 
 <file path=customXml/item1.xml><?xml version="1.0" encoding="utf-8"?>
+<p:properties xmlns:p="http://schemas.microsoft.com/office/2006/metadata/properties" xmlns:xsi="http://www.w3.org/2001/XMLSchema-instance" xmlns:pc="http://schemas.microsoft.com/office/infopath/2007/PartnerControls">
+  <documentManagement>
+    <Status xmlns="71af3243-3dd4-4a8d-8c0d-dd76da1f02a5">Not started</Status>
+    <MediaServiceKeyPoints xmlns="71af3243-3dd4-4a8d-8c0d-dd76da1f02a5" xsi:nil="true"/>
+  </documentManagement>
+</p:properties>
+</file>
+
+<file path=customXml/item2.xml><?xml version="1.0" encoding="utf-8"?>
 <?mso-contentType ?>
 <FormTemplates xmlns="http://schemas.microsoft.com/sharepoint/v3/contenttype/forms">
   <Display>DocumentLibraryForm</Display>
   <Edit>DocumentLibraryForm</Edit>
   <New>DocumentLibraryForm</New>
 </FormTemplates>
-</file>
-
-<file path=customXml/item2.xml><?xml version="1.0" encoding="utf-8"?>
-<p:properties xmlns:p="http://schemas.microsoft.com/office/2006/metadata/properties" xmlns:xsi="http://www.w3.org/2001/XMLSchema-instance" xmlns:pc="http://schemas.microsoft.com/office/infopath/2007/PartnerControls">
-  <documentManagement>
-    <Status xmlns="71af3243-3dd4-4a8d-8c0d-dd76da1f02a5">Not started</Status>
-    <MediaServiceKeyPoints xmlns="71af3243-3dd4-4a8d-8c0d-dd76da1f02a5" xsi:nil="true"/>
-  </documentManagement>
-</p:properties>
 </file>
 
 <file path=customXml/item3.xml><?xml version="1.0" encoding="utf-8"?>
@@ -15689,19 +15657,19 @@
 </file>
 
 <file path=customXml/itemProps1.xml><?xml version="1.0" encoding="utf-8"?>
-<ds:datastoreItem xmlns:ds="http://schemas.openxmlformats.org/officeDocument/2006/customXml" ds:itemID="{3C8E00D1-8EA3-4E42-801D-0253E1EAFC21}">
+<ds:datastoreItem xmlns:ds="http://schemas.openxmlformats.org/officeDocument/2006/customXml" ds:itemID="{99919F73-B6C2-4A43-95E2-833EC48925FE}">
   <ds:schemaRefs>
-    <ds:schemaRef ds:uri="http://schemas.microsoft.com/sharepoint/v3/contenttype/forms"/>
+    <ds:schemaRef ds:uri="http://schemas.microsoft.com/office/2006/metadata/properties"/>
+    <ds:schemaRef ds:uri="http://schemas.microsoft.com/office/infopath/2007/PartnerControls"/>
+    <ds:schemaRef ds:uri="71af3243-3dd4-4a8d-8c0d-dd76da1f02a5"/>
   </ds:schemaRefs>
 </ds:datastoreItem>
 </file>
 
 <file path=customXml/itemProps2.xml><?xml version="1.0" encoding="utf-8"?>
-<ds:datastoreItem xmlns:ds="http://schemas.openxmlformats.org/officeDocument/2006/customXml" ds:itemID="{99919F73-B6C2-4A43-95E2-833EC48925FE}">
+<ds:datastoreItem xmlns:ds="http://schemas.openxmlformats.org/officeDocument/2006/customXml" ds:itemID="{3C8E00D1-8EA3-4E42-801D-0253E1EAFC21}">
   <ds:schemaRefs>
-    <ds:schemaRef ds:uri="http://schemas.microsoft.com/office/2006/metadata/properties"/>
-    <ds:schemaRef ds:uri="http://schemas.microsoft.com/office/infopath/2007/PartnerControls"/>
-    <ds:schemaRef ds:uri="71af3243-3dd4-4a8d-8c0d-dd76da1f02a5"/>
+    <ds:schemaRef ds:uri="http://schemas.microsoft.com/sharepoint/v3/contenttype/forms"/>
   </ds:schemaRefs>
 </ds:datastoreItem>
 </file>

--- a/project-sports-analytics-nhl2.0v2.pptx
+++ b/project-sports-analytics-nhl2.0v2.pptx
@@ -5,21 +5,20 @@
     <p:sldMasterId id="2147483718" r:id="rId4"/>
   </p:sldMasterIdLst>
   <p:notesMasterIdLst>
-    <p:notesMasterId r:id="rId17"/>
+    <p:notesMasterId r:id="rId16"/>
   </p:notesMasterIdLst>
   <p:sldIdLst>
     <p:sldId id="1029" r:id="rId5"/>
     <p:sldId id="1031" r:id="rId6"/>
     <p:sldId id="1034" r:id="rId7"/>
     <p:sldId id="1038" r:id="rId8"/>
-    <p:sldId id="1032" r:id="rId9"/>
-    <p:sldId id="1039" r:id="rId10"/>
-    <p:sldId id="1035" r:id="rId11"/>
-    <p:sldId id="1040" r:id="rId12"/>
-    <p:sldId id="1036" r:id="rId13"/>
-    <p:sldId id="1041" r:id="rId14"/>
-    <p:sldId id="1037" r:id="rId15"/>
-    <p:sldId id="1042" r:id="rId16"/>
+    <p:sldId id="1043" r:id="rId9"/>
+    <p:sldId id="1036" r:id="rId10"/>
+    <p:sldId id="1041" r:id="rId11"/>
+    <p:sldId id="1035" r:id="rId12"/>
+    <p:sldId id="1040" r:id="rId13"/>
+    <p:sldId id="1037" r:id="rId14"/>
+    <p:sldId id="1042" r:id="rId15"/>
   </p:sldIdLst>
   <p:sldSz cx="12192000" cy="6858000"/>
   <p:notesSz cx="6858000" cy="9144000"/>
@@ -230,7 +229,7 @@
           <a:p>
             <a:fld id="{5EA28068-AFBD-4979-B752-9EB6F90B1386}" type="datetimeFigureOut">
               <a:rPr lang="en-US" smtClean="0"/>
-              <a:t>8/8/2023</a:t>
+              <a:t>8/9/2023</a:t>
             </a:fld>
             <a:endParaRPr lang="en-US" dirty="0"/>
           </a:p>
@@ -791,7 +790,7 @@
     </p:spTree>
     <p:extLst>
       <p:ext uri="{BB962C8B-B14F-4D97-AF65-F5344CB8AC3E}">
-        <p14:creationId xmlns:p14="http://schemas.microsoft.com/office/powerpoint/2010/main" val="3987237274"/>
+        <p14:creationId xmlns:p14="http://schemas.microsoft.com/office/powerpoint/2010/main" val="3173752421"/>
       </p:ext>
     </p:extLst>
   </p:cSld>
@@ -943,158 +942,6 @@
     </p:spTree>
     <p:extLst>
       <p:ext uri="{BB962C8B-B14F-4D97-AF65-F5344CB8AC3E}">
-        <p14:creationId xmlns:p14="http://schemas.microsoft.com/office/powerpoint/2010/main" val="3173752421"/>
-      </p:ext>
-    </p:extLst>
-  </p:cSld>
-  <p:clrMapOvr>
-    <a:masterClrMapping/>
-  </p:clrMapOvr>
-</p:notes>
-</file>
-
-<file path=ppt/notesSlides/notesSlide12.xml><?xml version="1.0" encoding="utf-8"?>
-<p:notes xmlns:a="http://schemas.openxmlformats.org/drawingml/2006/main" xmlns:r="http://schemas.openxmlformats.org/officeDocument/2006/relationships" xmlns:p="http://schemas.openxmlformats.org/presentationml/2006/main">
-  <p:cSld>
-    <p:spTree>
-      <p:nvGrpSpPr>
-        <p:cNvPr id="1" name=""/>
-        <p:cNvGrpSpPr/>
-        <p:nvPr/>
-      </p:nvGrpSpPr>
-      <p:grpSpPr>
-        <a:xfrm>
-          <a:off x="0" y="0"/>
-          <a:ext cx="0" cy="0"/>
-          <a:chOff x="0" y="0"/>
-          <a:chExt cx="0" cy="0"/>
-        </a:xfrm>
-      </p:grpSpPr>
-      <p:sp>
-        <p:nvSpPr>
-          <p:cNvPr id="2" name="Slide Image Placeholder 1"/>
-          <p:cNvSpPr>
-            <a:spLocks noGrp="1" noRot="1" noChangeAspect="1"/>
-          </p:cNvSpPr>
-          <p:nvPr>
-            <p:ph type="sldImg"/>
-          </p:nvPr>
-        </p:nvSpPr>
-        <p:spPr/>
-      </p:sp>
-      <p:sp>
-        <p:nvSpPr>
-          <p:cNvPr id="3" name="Notes Placeholder 2"/>
-          <p:cNvSpPr>
-            <a:spLocks noGrp="1"/>
-          </p:cNvSpPr>
-          <p:nvPr>
-            <p:ph type="body" idx="1"/>
-          </p:nvPr>
-        </p:nvSpPr>
-        <p:spPr/>
-        <p:txBody>
-          <a:bodyPr/>
-          <a:lstStyle/>
-          <a:p>
-            <a:r>
-              <a:rPr lang="en-US" sz="1200">
-                <a:solidFill>
-                  <a:prstClr val="black"/>
-                </a:solidFill>
-              </a:rPr>
-              <a:t>© Copyright Showeet.com – Free PowerPoint Templates</a:t>
-            </a:r>
-            <a:endParaRPr lang="en-US"/>
-          </a:p>
-        </p:txBody>
-      </p:sp>
-      <p:sp>
-        <p:nvSpPr>
-          <p:cNvPr id="4" name="Slide Number Placeholder 3"/>
-          <p:cNvSpPr>
-            <a:spLocks noGrp="1"/>
-          </p:cNvSpPr>
-          <p:nvPr>
-            <p:ph type="sldNum" sz="quarter" idx="10"/>
-          </p:nvPr>
-        </p:nvSpPr>
-        <p:spPr/>
-        <p:txBody>
-          <a:bodyPr/>
-          <a:lstStyle/>
-          <a:p>
-            <a:pPr marL="0" marR="0" lvl="0" indent="0" algn="r" defTabSz="914400" rtl="0" eaLnBrk="1" fontAlgn="auto" latinLnBrk="0" hangingPunct="1">
-              <a:lnSpc>
-                <a:spcPct val="100000"/>
-              </a:lnSpc>
-              <a:spcBef>
-                <a:spcPts val="0"/>
-              </a:spcBef>
-              <a:spcAft>
-                <a:spcPts val="0"/>
-              </a:spcAft>
-              <a:buClrTx/>
-              <a:buSzTx/>
-              <a:buFontTx/>
-              <a:buNone/>
-              <a:tabLst/>
-              <a:defRPr/>
-            </a:pPr>
-            <a:fld id="{46B9B405-4F4D-4594-A1A1-988AA5F62729}" type="slidenum">
-              <a:rPr kumimoji="0" lang="en-US" sz="1200" b="0" i="0" u="none" strike="noStrike" kern="1200" cap="none" spc="0" normalizeH="0" baseline="0" noProof="0" smtClean="0">
-                <a:ln>
-                  <a:noFill/>
-                </a:ln>
-                <a:solidFill>
-                  <a:prstClr val="black"/>
-                </a:solidFill>
-                <a:effectLst/>
-                <a:uLnTx/>
-                <a:uFillTx/>
-                <a:latin typeface="Calibri" panose="020F0502020204030204"/>
-                <a:ea typeface="+mn-ea"/>
-                <a:cs typeface="+mn-cs"/>
-              </a:rPr>
-              <a:pPr marL="0" marR="0" lvl="0" indent="0" algn="r" defTabSz="914400" rtl="0" eaLnBrk="1" fontAlgn="auto" latinLnBrk="0" hangingPunct="1">
-                <a:lnSpc>
-                  <a:spcPct val="100000"/>
-                </a:lnSpc>
-                <a:spcBef>
-                  <a:spcPts val="0"/>
-                </a:spcBef>
-                <a:spcAft>
-                  <a:spcPts val="0"/>
-                </a:spcAft>
-                <a:buClrTx/>
-                <a:buSzTx/>
-                <a:buFontTx/>
-                <a:buNone/>
-                <a:tabLst/>
-                <a:defRPr/>
-              </a:pPr>
-              <a:t>12</a:t>
-            </a:fld>
-            <a:endParaRPr kumimoji="0" lang="en-US" sz="1200" b="0" i="0" u="none" strike="noStrike" kern="1200" cap="none" spc="0" normalizeH="0" baseline="0" noProof="0">
-              <a:ln>
-                <a:noFill/>
-              </a:ln>
-              <a:solidFill>
-                <a:prstClr val="black"/>
-              </a:solidFill>
-              <a:effectLst/>
-              <a:uLnTx/>
-              <a:uFillTx/>
-              <a:latin typeface="Calibri" panose="020F0502020204030204"/>
-              <a:ea typeface="+mn-ea"/>
-              <a:cs typeface="+mn-cs"/>
-            </a:endParaRPr>
-          </a:p>
-        </p:txBody>
-      </p:sp>
-    </p:spTree>
-    <p:extLst>
-      <p:ext uri="{BB962C8B-B14F-4D97-AF65-F5344CB8AC3E}">
         <p14:creationId xmlns:p14="http://schemas.microsoft.com/office/powerpoint/2010/main" val="2200045495"/>
       </p:ext>
     </p:extLst>
@@ -1703,7 +1550,7 @@
     </p:spTree>
     <p:extLst>
       <p:ext uri="{BB962C8B-B14F-4D97-AF65-F5344CB8AC3E}">
-        <p14:creationId xmlns:p14="http://schemas.microsoft.com/office/powerpoint/2010/main" val="1730886570"/>
+        <p14:creationId xmlns:p14="http://schemas.microsoft.com/office/powerpoint/2010/main" val="496517658"/>
       </p:ext>
     </p:extLst>
   </p:cSld>
@@ -1855,7 +1702,7 @@
     </p:spTree>
     <p:extLst>
       <p:ext uri="{BB962C8B-B14F-4D97-AF65-F5344CB8AC3E}">
-        <p14:creationId xmlns:p14="http://schemas.microsoft.com/office/powerpoint/2010/main" val="1465579488"/>
+        <p14:creationId xmlns:p14="http://schemas.microsoft.com/office/powerpoint/2010/main" val="2583614402"/>
       </p:ext>
     </p:extLst>
   </p:cSld>
@@ -2007,7 +1854,7 @@
     </p:spTree>
     <p:extLst>
       <p:ext uri="{BB962C8B-B14F-4D97-AF65-F5344CB8AC3E}">
-        <p14:creationId xmlns:p14="http://schemas.microsoft.com/office/powerpoint/2010/main" val="2908112611"/>
+        <p14:creationId xmlns:p14="http://schemas.microsoft.com/office/powerpoint/2010/main" val="3987237274"/>
       </p:ext>
     </p:extLst>
   </p:cSld>
@@ -2159,7 +2006,7 @@
     </p:spTree>
     <p:extLst>
       <p:ext uri="{BB962C8B-B14F-4D97-AF65-F5344CB8AC3E}">
-        <p14:creationId xmlns:p14="http://schemas.microsoft.com/office/powerpoint/2010/main" val="1460671575"/>
+        <p14:creationId xmlns:p14="http://schemas.microsoft.com/office/powerpoint/2010/main" val="2908112611"/>
       </p:ext>
     </p:extLst>
   </p:cSld>
@@ -2311,7 +2158,7 @@
     </p:spTree>
     <p:extLst>
       <p:ext uri="{BB962C8B-B14F-4D97-AF65-F5344CB8AC3E}">
-        <p14:creationId xmlns:p14="http://schemas.microsoft.com/office/powerpoint/2010/main" val="2583614402"/>
+        <p14:creationId xmlns:p14="http://schemas.microsoft.com/office/powerpoint/2010/main" val="1460671575"/>
       </p:ext>
     </p:extLst>
   </p:cSld>
@@ -12814,6 +12661,1301 @@
           <a:chExt cx="0" cy="0"/>
         </a:xfrm>
       </p:grpSpPr>
+      <p:sp>
+        <p:nvSpPr>
+          <p:cNvPr id="6" name="Title 5"/>
+          <p:cNvSpPr>
+            <a:spLocks noGrp="1"/>
+          </p:cNvSpPr>
+          <p:nvPr>
+            <p:ph type="title"/>
+          </p:nvPr>
+        </p:nvSpPr>
+        <p:spPr>
+          <a:xfrm>
+            <a:off x="5607170" y="1709742"/>
+            <a:ext cx="6271404" cy="809172"/>
+          </a:xfrm>
+        </p:spPr>
+        <p:txBody>
+          <a:bodyPr>
+            <a:normAutofit fontScale="90000"/>
+          </a:bodyPr>
+          <a:lstStyle/>
+          <a:p>
+            <a:pPr algn="l"/>
+            <a:r>
+              <a:rPr lang="en-US" dirty="0"/>
+              <a:t>Goalie statistics comparison</a:t>
+            </a:r>
+          </a:p>
+        </p:txBody>
+      </p:sp>
+      <p:sp>
+        <p:nvSpPr>
+          <p:cNvPr id="7" name="Text Placeholder 6"/>
+          <p:cNvSpPr>
+            <a:spLocks noGrp="1"/>
+          </p:cNvSpPr>
+          <p:nvPr>
+            <p:ph type="body" idx="1"/>
+          </p:nvPr>
+        </p:nvSpPr>
+        <p:spPr>
+          <a:xfrm>
+            <a:off x="5667556" y="2588328"/>
+            <a:ext cx="5395224" cy="1500187"/>
+          </a:xfrm>
+        </p:spPr>
+        <p:txBody>
+          <a:bodyPr/>
+          <a:lstStyle/>
+          <a:p>
+            <a:pPr algn="l"/>
+            <a:r>
+              <a:rPr lang="en-US" dirty="0">
+                <a:solidFill>
+                  <a:schemeClr val="tx1">
+                    <a:lumMod val="85000"/>
+                    <a:lumOff val="15000"/>
+                  </a:schemeClr>
+                </a:solidFill>
+              </a:rPr>
+              <a:t>Select the season to see the winning goalie’s statistics vs those of his competitors for that same season!</a:t>
+            </a:r>
+          </a:p>
+        </p:txBody>
+      </p:sp>
+      <p:pic>
+        <p:nvPicPr>
+          <p:cNvPr id="8" name="Picture 7"/>
+          <p:cNvPicPr>
+            <a:picLocks noChangeAspect="1"/>
+          </p:cNvPicPr>
+          <p:nvPr/>
+        </p:nvPicPr>
+        <p:blipFill>
+          <a:blip r:embed="rId3">
+            <a:extLst>
+              <a:ext uri="{28A0092B-C50C-407E-A947-70E740481C1C}">
+                <a14:useLocalDpi xmlns:a14="http://schemas.microsoft.com/office/drawing/2010/main" val="0"/>
+              </a:ext>
+            </a:extLst>
+          </a:blip>
+          <a:stretch>
+            <a:fillRect/>
+          </a:stretch>
+        </p:blipFill>
+        <p:spPr>
+          <a:xfrm>
+            <a:off x="1742674" y="3338422"/>
+            <a:ext cx="3192062" cy="3519578"/>
+          </a:xfrm>
+          <a:prstGeom prst="rect">
+            <a:avLst/>
+          </a:prstGeom>
+        </p:spPr>
+      </p:pic>
+      <p:sp>
+        <p:nvSpPr>
+          <p:cNvPr id="2" name="TextBox 1">
+            <a:extLst>
+              <a:ext uri="{FF2B5EF4-FFF2-40B4-BE49-F238E27FC236}">
+                <a16:creationId xmlns:a16="http://schemas.microsoft.com/office/drawing/2014/main" id="{26713B4E-9B31-1571-8B2B-4417A48C89CF}"/>
+              </a:ext>
+            </a:extLst>
+          </p:cNvPr>
+          <p:cNvSpPr txBox="1"/>
+          <p:nvPr/>
+        </p:nvSpPr>
+        <p:spPr>
+          <a:xfrm>
+            <a:off x="0" y="6550223"/>
+            <a:ext cx="2657012" cy="307777"/>
+          </a:xfrm>
+          <a:prstGeom prst="rect">
+            <a:avLst/>
+          </a:prstGeom>
+          <a:noFill/>
+        </p:spPr>
+        <p:txBody>
+          <a:bodyPr wrap="square">
+            <a:spAutoFit/>
+          </a:bodyPr>
+          <a:lstStyle/>
+          <a:p>
+            <a:r>
+              <a:rPr lang="en-US" sz="1400" dirty="0"/>
+              <a:t>© Copyright Showeet.com</a:t>
+            </a:r>
+          </a:p>
+        </p:txBody>
+      </p:sp>
+    </p:spTree>
+    <p:extLst>
+      <p:ext uri="{BB962C8B-B14F-4D97-AF65-F5344CB8AC3E}">
+        <p14:creationId xmlns:p14="http://schemas.microsoft.com/office/powerpoint/2010/main" val="2115108174"/>
+      </p:ext>
+    </p:extLst>
+  </p:cSld>
+  <p:clrMapOvr>
+    <a:masterClrMapping/>
+  </p:clrMapOvr>
+</p:sld>
+</file>
+
+<file path=ppt/slides/slide11.xml><?xml version="1.0" encoding="utf-8"?>
+<p:sld xmlns:a="http://schemas.openxmlformats.org/drawingml/2006/main" xmlns:r="http://schemas.openxmlformats.org/officeDocument/2006/relationships" xmlns:p="http://schemas.openxmlformats.org/presentationml/2006/main">
+  <p:cSld>
+    <p:spTree>
+      <p:nvGrpSpPr>
+        <p:cNvPr id="1" name=""/>
+        <p:cNvGrpSpPr/>
+        <p:nvPr/>
+      </p:nvGrpSpPr>
+      <p:grpSpPr>
+        <a:xfrm>
+          <a:off x="0" y="0"/>
+          <a:ext cx="0" cy="0"/>
+          <a:chOff x="0" y="0"/>
+          <a:chExt cx="0" cy="0"/>
+        </a:xfrm>
+      </p:grpSpPr>
+      <p:pic>
+        <p:nvPicPr>
+          <p:cNvPr id="11" name="Picture 10">
+            <a:extLst>
+              <a:ext uri="{FF2B5EF4-FFF2-40B4-BE49-F238E27FC236}">
+                <a16:creationId xmlns:a16="http://schemas.microsoft.com/office/drawing/2014/main" id="{7BD7CF6C-0FB7-CF98-6FD4-99D18C1BB33C}"/>
+              </a:ext>
+            </a:extLst>
+          </p:cNvPr>
+          <p:cNvPicPr>
+            <a:picLocks noChangeAspect="1"/>
+          </p:cNvPicPr>
+          <p:nvPr/>
+        </p:nvPicPr>
+        <p:blipFill>
+          <a:blip r:embed="rId3"/>
+          <a:stretch>
+            <a:fillRect/>
+          </a:stretch>
+        </p:blipFill>
+        <p:spPr>
+          <a:xfrm>
+            <a:off x="1354347" y="802257"/>
+            <a:ext cx="9376913" cy="4710993"/>
+          </a:xfrm>
+          <a:prstGeom prst="rect">
+            <a:avLst/>
+          </a:prstGeom>
+        </p:spPr>
+      </p:pic>
+    </p:spTree>
+    <p:extLst>
+      <p:ext uri="{BB962C8B-B14F-4D97-AF65-F5344CB8AC3E}">
+        <p14:creationId xmlns:p14="http://schemas.microsoft.com/office/powerpoint/2010/main" val="3720419304"/>
+      </p:ext>
+    </p:extLst>
+  </p:cSld>
+  <p:clrMapOvr>
+    <a:masterClrMapping/>
+  </p:clrMapOvr>
+</p:sld>
+</file>
+
+<file path=ppt/slides/slide2.xml><?xml version="1.0" encoding="utf-8"?>
+<p:sld xmlns:a="http://schemas.openxmlformats.org/drawingml/2006/main" xmlns:r="http://schemas.openxmlformats.org/officeDocument/2006/relationships" xmlns:p="http://schemas.openxmlformats.org/presentationml/2006/main">
+  <p:cSld>
+    <p:spTree>
+      <p:nvGrpSpPr>
+        <p:cNvPr id="1" name=""/>
+        <p:cNvGrpSpPr/>
+        <p:nvPr/>
+      </p:nvGrpSpPr>
+      <p:grpSpPr>
+        <a:xfrm>
+          <a:off x="0" y="0"/>
+          <a:ext cx="0" cy="0"/>
+          <a:chOff x="0" y="0"/>
+          <a:chExt cx="0" cy="0"/>
+        </a:xfrm>
+      </p:grpSpPr>
+      <p:sp>
+        <p:nvSpPr>
+          <p:cNvPr id="6" name="Title 5"/>
+          <p:cNvSpPr>
+            <a:spLocks noGrp="1"/>
+          </p:cNvSpPr>
+          <p:nvPr>
+            <p:ph type="title"/>
+          </p:nvPr>
+        </p:nvSpPr>
+        <p:spPr>
+          <a:xfrm>
+            <a:off x="6357668" y="1709741"/>
+            <a:ext cx="4989784" cy="705655"/>
+          </a:xfrm>
+        </p:spPr>
+        <p:txBody>
+          <a:bodyPr>
+            <a:normAutofit fontScale="90000"/>
+          </a:bodyPr>
+          <a:lstStyle/>
+          <a:p>
+            <a:pPr algn="l"/>
+            <a:r>
+              <a:rPr lang="en-US" dirty="0"/>
+              <a:t>Agenda:</a:t>
+            </a:r>
+          </a:p>
+        </p:txBody>
+      </p:sp>
+      <p:sp>
+        <p:nvSpPr>
+          <p:cNvPr id="7" name="Text Placeholder 6"/>
+          <p:cNvSpPr>
+            <a:spLocks noGrp="1"/>
+          </p:cNvSpPr>
+          <p:nvPr>
+            <p:ph type="body" idx="1"/>
+          </p:nvPr>
+        </p:nvSpPr>
+        <p:spPr>
+          <a:xfrm>
+            <a:off x="6357668" y="2527752"/>
+            <a:ext cx="4989784" cy="1914853"/>
+          </a:xfrm>
+        </p:spPr>
+        <p:txBody>
+          <a:bodyPr>
+            <a:normAutofit fontScale="85000" lnSpcReduction="20000"/>
+          </a:bodyPr>
+          <a:lstStyle/>
+          <a:p>
+            <a:pPr algn="l"/>
+            <a:r>
+              <a:rPr lang="en-US" dirty="0">
+                <a:solidFill>
+                  <a:schemeClr val="tx1">
+                    <a:lumMod val="85000"/>
+                    <a:lumOff val="15000"/>
+                  </a:schemeClr>
+                </a:solidFill>
+              </a:rPr>
+              <a:t>Introduction:</a:t>
+            </a:r>
+          </a:p>
+          <a:p>
+            <a:pPr algn="l"/>
+            <a:r>
+              <a:rPr lang="en-US" dirty="0">
+                <a:solidFill>
+                  <a:schemeClr val="tx1">
+                    <a:lumMod val="85000"/>
+                    <a:lumOff val="15000"/>
+                  </a:schemeClr>
+                </a:solidFill>
+              </a:rPr>
+              <a:t>	- Background</a:t>
+            </a:r>
+          </a:p>
+          <a:p>
+            <a:pPr algn="l"/>
+            <a:r>
+              <a:rPr lang="en-US" dirty="0">
+                <a:solidFill>
+                  <a:schemeClr val="tx1">
+                    <a:lumMod val="85000"/>
+                    <a:lumOff val="15000"/>
+                  </a:schemeClr>
+                </a:solidFill>
+              </a:rPr>
+              <a:t>	- Data and Resources</a:t>
+            </a:r>
+          </a:p>
+          <a:p>
+            <a:pPr algn="l"/>
+            <a:r>
+              <a:rPr lang="en-US" dirty="0">
+                <a:solidFill>
+                  <a:schemeClr val="tx1">
+                    <a:lumMod val="85000"/>
+                    <a:lumOff val="15000"/>
+                  </a:schemeClr>
+                </a:solidFill>
+              </a:rPr>
+              <a:t>Interactive world map</a:t>
+            </a:r>
+          </a:p>
+          <a:p>
+            <a:pPr algn="l"/>
+            <a:r>
+              <a:rPr lang="en-US" dirty="0">
+                <a:solidFill>
+                  <a:schemeClr val="tx1">
+                    <a:lumMod val="85000"/>
+                    <a:lumOff val="15000"/>
+                  </a:schemeClr>
+                </a:solidFill>
+              </a:rPr>
+              <a:t>Winning team comparison</a:t>
+            </a:r>
+          </a:p>
+          <a:p>
+            <a:pPr algn="l"/>
+            <a:r>
+              <a:rPr lang="en-US" dirty="0">
+                <a:solidFill>
+                  <a:schemeClr val="tx1">
+                    <a:lumMod val="85000"/>
+                    <a:lumOff val="15000"/>
+                  </a:schemeClr>
+                </a:solidFill>
+              </a:rPr>
+              <a:t>Player statistics information</a:t>
+            </a:r>
+          </a:p>
+          <a:p>
+            <a:pPr algn="l"/>
+            <a:r>
+              <a:rPr lang="en-US" dirty="0">
+                <a:solidFill>
+                  <a:schemeClr val="tx1">
+                    <a:lumMod val="85000"/>
+                    <a:lumOff val="15000"/>
+                  </a:schemeClr>
+                </a:solidFill>
+              </a:rPr>
+              <a:t>Goalie statistics comparison</a:t>
+            </a:r>
+          </a:p>
+        </p:txBody>
+      </p:sp>
+      <p:pic>
+        <p:nvPicPr>
+          <p:cNvPr id="4" name="Picture 3"/>
+          <p:cNvPicPr>
+            <a:picLocks noChangeAspect="1"/>
+          </p:cNvPicPr>
+          <p:nvPr/>
+        </p:nvPicPr>
+        <p:blipFill>
+          <a:blip r:embed="rId3">
+            <a:extLst>
+              <a:ext uri="{28A0092B-C50C-407E-A947-70E740481C1C}">
+                <a14:useLocalDpi xmlns:a14="http://schemas.microsoft.com/office/drawing/2010/main" val="0"/>
+              </a:ext>
+            </a:extLst>
+          </a:blip>
+          <a:stretch>
+            <a:fillRect/>
+          </a:stretch>
+        </p:blipFill>
+        <p:spPr>
+          <a:xfrm>
+            <a:off x="1742674" y="3338422"/>
+            <a:ext cx="3192062" cy="3519578"/>
+          </a:xfrm>
+          <a:prstGeom prst="rect">
+            <a:avLst/>
+          </a:prstGeom>
+        </p:spPr>
+      </p:pic>
+      <p:sp>
+        <p:nvSpPr>
+          <p:cNvPr id="2" name="TextBox 1">
+            <a:extLst>
+              <a:ext uri="{FF2B5EF4-FFF2-40B4-BE49-F238E27FC236}">
+                <a16:creationId xmlns:a16="http://schemas.microsoft.com/office/drawing/2014/main" id="{C8146CCE-ADC4-8566-3511-933F48258D7F}"/>
+              </a:ext>
+            </a:extLst>
+          </p:cNvPr>
+          <p:cNvSpPr txBox="1"/>
+          <p:nvPr/>
+        </p:nvSpPr>
+        <p:spPr>
+          <a:xfrm>
+            <a:off x="0" y="6550223"/>
+            <a:ext cx="2657012" cy="307777"/>
+          </a:xfrm>
+          <a:prstGeom prst="rect">
+            <a:avLst/>
+          </a:prstGeom>
+          <a:noFill/>
+        </p:spPr>
+        <p:txBody>
+          <a:bodyPr wrap="square">
+            <a:spAutoFit/>
+          </a:bodyPr>
+          <a:lstStyle/>
+          <a:p>
+            <a:r>
+              <a:rPr lang="en-US" sz="1400" dirty="0"/>
+              <a:t>© Copyright Showeet.com</a:t>
+            </a:r>
+          </a:p>
+        </p:txBody>
+      </p:sp>
+    </p:spTree>
+    <p:extLst>
+      <p:ext uri="{BB962C8B-B14F-4D97-AF65-F5344CB8AC3E}">
+        <p14:creationId xmlns:p14="http://schemas.microsoft.com/office/powerpoint/2010/main" val="3838412597"/>
+      </p:ext>
+    </p:extLst>
+  </p:cSld>
+  <p:clrMapOvr>
+    <a:masterClrMapping/>
+  </p:clrMapOvr>
+</p:sld>
+</file>
+
+<file path=ppt/slides/slide3.xml><?xml version="1.0" encoding="utf-8"?>
+<p:sld xmlns:a="http://schemas.openxmlformats.org/drawingml/2006/main" xmlns:r="http://schemas.openxmlformats.org/officeDocument/2006/relationships" xmlns:p="http://schemas.openxmlformats.org/presentationml/2006/main">
+  <p:cSld>
+    <p:spTree>
+      <p:nvGrpSpPr>
+        <p:cNvPr id="1" name=""/>
+        <p:cNvGrpSpPr/>
+        <p:nvPr/>
+      </p:nvGrpSpPr>
+      <p:grpSpPr>
+        <a:xfrm>
+          <a:off x="0" y="0"/>
+          <a:ext cx="0" cy="0"/>
+          <a:chOff x="0" y="0"/>
+          <a:chExt cx="0" cy="0"/>
+        </a:xfrm>
+      </p:grpSpPr>
+      <p:sp>
+        <p:nvSpPr>
+          <p:cNvPr id="4" name="Title 3"/>
+          <p:cNvSpPr>
+            <a:spLocks noGrp="1"/>
+          </p:cNvSpPr>
+          <p:nvPr>
+            <p:ph type="title"/>
+          </p:nvPr>
+        </p:nvSpPr>
+        <p:spPr/>
+        <p:txBody>
+          <a:bodyPr/>
+          <a:lstStyle/>
+          <a:p>
+            <a:r>
+              <a:rPr lang="en-US" dirty="0"/>
+              <a:t>Background:</a:t>
+            </a:r>
+          </a:p>
+        </p:txBody>
+      </p:sp>
+      <p:sp>
+        <p:nvSpPr>
+          <p:cNvPr id="5" name="Content Placeholder 4"/>
+          <p:cNvSpPr>
+            <a:spLocks noGrp="1"/>
+          </p:cNvSpPr>
+          <p:nvPr>
+            <p:ph idx="1"/>
+          </p:nvPr>
+        </p:nvSpPr>
+        <p:spPr>
+          <a:xfrm>
+            <a:off x="838200" y="1851504"/>
+            <a:ext cx="5381445" cy="4351338"/>
+          </a:xfrm>
+        </p:spPr>
+        <p:txBody>
+          <a:bodyPr>
+            <a:normAutofit/>
+          </a:bodyPr>
+          <a:lstStyle/>
+          <a:p>
+            <a:r>
+              <a:rPr lang="en-US" sz="1800" dirty="0">
+                <a:effectLst/>
+                <a:latin typeface="Calibri" panose="020F0502020204030204" pitchFamily="34" charset="0"/>
+                <a:ea typeface="Calibri" panose="020F0502020204030204" pitchFamily="34" charset="0"/>
+                <a:cs typeface="Times New Roman" panose="02020603050405020304" pitchFamily="18" charset="0"/>
+              </a:rPr>
+              <a:t>For this project version, we are focused on providing the best visuals representing data related to Stanley Cup winning teams over the last 30 seasons.   We are providing an enhanced user experience by creating an interactive dashboard that will enable the end user to select various filters to analyze and compare data from each winning team over the course of the last 30 seasons vs the rest of the league, or for informative purposes to analyze player statistics.  The basis of this project, is the evolution of our initial data gathering and analysis on this topic which can be found here: (</a:t>
+            </a:r>
+            <a:r>
+              <a:rPr lang="en-US" sz="1800" u="sng" dirty="0">
+                <a:solidFill>
+                  <a:srgbClr val="0563C1"/>
+                </a:solidFill>
+                <a:effectLst/>
+                <a:latin typeface="Calibri" panose="020F0502020204030204" pitchFamily="34" charset="0"/>
+                <a:ea typeface="Calibri" panose="020F0502020204030204" pitchFamily="34" charset="0"/>
+                <a:cs typeface="Times New Roman" panose="02020603050405020304" pitchFamily="18" charset="0"/>
+                <a:hlinkClick r:id="rId3"/>
+              </a:rPr>
+              <a:t>https://github.com/rbrennan55/project-sports-analytics-NHL.git</a:t>
+            </a:r>
+            <a:r>
+              <a:rPr lang="en-US" sz="1800" dirty="0">
+                <a:effectLst/>
+                <a:latin typeface="Calibri" panose="020F0502020204030204" pitchFamily="34" charset="0"/>
+                <a:ea typeface="Calibri" panose="020F0502020204030204" pitchFamily="34" charset="0"/>
+                <a:cs typeface="Times New Roman" panose="02020603050405020304" pitchFamily="18" charset="0"/>
+              </a:rPr>
+              <a:t>). </a:t>
+            </a:r>
+            <a:endParaRPr lang="en-US" dirty="0"/>
+          </a:p>
+        </p:txBody>
+      </p:sp>
+      <p:pic>
+        <p:nvPicPr>
+          <p:cNvPr id="2" name="Picture 1">
+            <a:extLst>
+              <a:ext uri="{FF2B5EF4-FFF2-40B4-BE49-F238E27FC236}">
+                <a16:creationId xmlns:a16="http://schemas.microsoft.com/office/drawing/2014/main" id="{A8654CFC-3C22-884F-B5B5-FDCA63F51B00}"/>
+              </a:ext>
+            </a:extLst>
+          </p:cNvPr>
+          <p:cNvPicPr>
+            <a:picLocks noChangeAspect="1"/>
+          </p:cNvPicPr>
+          <p:nvPr/>
+        </p:nvPicPr>
+        <p:blipFill>
+          <a:blip r:embed="rId4"/>
+          <a:stretch>
+            <a:fillRect/>
+          </a:stretch>
+        </p:blipFill>
+        <p:spPr>
+          <a:xfrm>
+            <a:off x="7300182" y="888521"/>
+            <a:ext cx="4182218" cy="4427974"/>
+          </a:xfrm>
+          <a:prstGeom prst="rect">
+            <a:avLst/>
+          </a:prstGeom>
+        </p:spPr>
+      </p:pic>
+      <p:sp>
+        <p:nvSpPr>
+          <p:cNvPr id="3" name="TextBox 2">
+            <a:extLst>
+              <a:ext uri="{FF2B5EF4-FFF2-40B4-BE49-F238E27FC236}">
+                <a16:creationId xmlns:a16="http://schemas.microsoft.com/office/drawing/2014/main" id="{EDE64B6D-5EE6-5AC6-D4FD-A173D99EF40A}"/>
+              </a:ext>
+            </a:extLst>
+          </p:cNvPr>
+          <p:cNvSpPr txBox="1"/>
+          <p:nvPr/>
+        </p:nvSpPr>
+        <p:spPr>
+          <a:xfrm>
+            <a:off x="6892506" y="5569369"/>
+            <a:ext cx="5299494" cy="400110"/>
+          </a:xfrm>
+          <a:prstGeom prst="rect">
+            <a:avLst/>
+          </a:prstGeom>
+          <a:noFill/>
+        </p:spPr>
+        <p:txBody>
+          <a:bodyPr wrap="square">
+            <a:spAutoFit/>
+          </a:bodyPr>
+          <a:lstStyle/>
+          <a:p>
+            <a:r>
+              <a:rPr lang="en-US" sz="1000" i="1" dirty="0">
+                <a:solidFill>
+                  <a:srgbClr val="1F2328"/>
+                </a:solidFill>
+                <a:latin typeface="-apple-system"/>
+              </a:rPr>
+              <a:t>(The NHL and the NHL Shield are registered trademarks of the National Hockey League. NHL and NHL team marks are the property of the NHL and its teams. © NHL 2023. All Rights Reserved.)</a:t>
+            </a:r>
+            <a:endParaRPr lang="en-US" sz="1000" dirty="0">
+              <a:solidFill>
+                <a:prstClr val="black"/>
+              </a:solidFill>
+              <a:latin typeface="Univers"/>
+            </a:endParaRPr>
+          </a:p>
+        </p:txBody>
+      </p:sp>
+    </p:spTree>
+    <p:extLst>
+      <p:ext uri="{BB962C8B-B14F-4D97-AF65-F5344CB8AC3E}">
+        <p14:creationId xmlns:p14="http://schemas.microsoft.com/office/powerpoint/2010/main" val="1280970567"/>
+      </p:ext>
+    </p:extLst>
+  </p:cSld>
+  <p:clrMapOvr>
+    <a:masterClrMapping/>
+  </p:clrMapOvr>
+</p:sld>
+</file>
+
+<file path=ppt/slides/slide4.xml><?xml version="1.0" encoding="utf-8"?>
+<p:sld xmlns:a="http://schemas.openxmlformats.org/drawingml/2006/main" xmlns:r="http://schemas.openxmlformats.org/officeDocument/2006/relationships" xmlns:p="http://schemas.openxmlformats.org/presentationml/2006/main">
+  <p:cSld>
+    <p:spTree>
+      <p:nvGrpSpPr>
+        <p:cNvPr id="1" name=""/>
+        <p:cNvGrpSpPr/>
+        <p:nvPr/>
+      </p:nvGrpSpPr>
+      <p:grpSpPr>
+        <a:xfrm>
+          <a:off x="0" y="0"/>
+          <a:ext cx="0" cy="0"/>
+          <a:chOff x="0" y="0"/>
+          <a:chExt cx="0" cy="0"/>
+        </a:xfrm>
+      </p:grpSpPr>
+      <p:sp>
+        <p:nvSpPr>
+          <p:cNvPr id="4" name="Title 3"/>
+          <p:cNvSpPr>
+            <a:spLocks noGrp="1"/>
+          </p:cNvSpPr>
+          <p:nvPr>
+            <p:ph type="title"/>
+          </p:nvPr>
+        </p:nvSpPr>
+        <p:spPr/>
+        <p:txBody>
+          <a:bodyPr/>
+          <a:lstStyle/>
+          <a:p>
+            <a:r>
+              <a:rPr lang="en-US" dirty="0"/>
+              <a:t>Data and Resources:</a:t>
+            </a:r>
+          </a:p>
+        </p:txBody>
+      </p:sp>
+      <p:pic>
+        <p:nvPicPr>
+          <p:cNvPr id="1026" name="Picture 2" descr="image">
+            <a:extLst>
+              <a:ext uri="{FF2B5EF4-FFF2-40B4-BE49-F238E27FC236}">
+                <a16:creationId xmlns:a16="http://schemas.microsoft.com/office/drawing/2014/main" id="{4270B7CE-00F6-9B9D-7F17-781AD640EAE7}"/>
+              </a:ext>
+            </a:extLst>
+          </p:cNvPr>
+          <p:cNvPicPr>
+            <a:picLocks noChangeAspect="1" noChangeArrowheads="1"/>
+          </p:cNvPicPr>
+          <p:nvPr/>
+        </p:nvPicPr>
+        <p:blipFill>
+          <a:blip r:embed="rId3">
+            <a:extLst>
+              <a:ext uri="{28A0092B-C50C-407E-A947-70E740481C1C}">
+                <a14:useLocalDpi xmlns:a14="http://schemas.microsoft.com/office/drawing/2010/main" val="0"/>
+              </a:ext>
+            </a:extLst>
+          </a:blip>
+          <a:srcRect/>
+          <a:stretch>
+            <a:fillRect/>
+          </a:stretch>
+        </p:blipFill>
+        <p:spPr bwMode="auto">
+          <a:xfrm>
+            <a:off x="923026" y="1552755"/>
+            <a:ext cx="10291314" cy="4940118"/>
+          </a:xfrm>
+          <a:prstGeom prst="rect">
+            <a:avLst/>
+          </a:prstGeom>
+          <a:noFill/>
+          <a:extLst>
+            <a:ext uri="{909E8E84-426E-40DD-AFC4-6F175D3DCCD1}">
+              <a14:hiddenFill xmlns:a14="http://schemas.microsoft.com/office/drawing/2010/main">
+                <a:solidFill>
+                  <a:srgbClr val="FFFFFF"/>
+                </a:solidFill>
+              </a14:hiddenFill>
+            </a:ext>
+          </a:extLst>
+        </p:spPr>
+      </p:pic>
+    </p:spTree>
+    <p:extLst>
+      <p:ext uri="{BB962C8B-B14F-4D97-AF65-F5344CB8AC3E}">
+        <p14:creationId xmlns:p14="http://schemas.microsoft.com/office/powerpoint/2010/main" val="932189157"/>
+      </p:ext>
+    </p:extLst>
+  </p:cSld>
+  <p:clrMapOvr>
+    <a:masterClrMapping/>
+  </p:clrMapOvr>
+</p:sld>
+</file>
+
+<file path=ppt/slides/slide5.xml><?xml version="1.0" encoding="utf-8"?>
+<p:sld xmlns:a="http://schemas.openxmlformats.org/drawingml/2006/main" xmlns:r="http://schemas.openxmlformats.org/officeDocument/2006/relationships" xmlns:p="http://schemas.openxmlformats.org/presentationml/2006/main">
+  <p:cSld>
+    <p:spTree>
+      <p:nvGrpSpPr>
+        <p:cNvPr id="1" name=""/>
+        <p:cNvGrpSpPr/>
+        <p:nvPr/>
+      </p:nvGrpSpPr>
+      <p:grpSpPr>
+        <a:xfrm>
+          <a:off x="0" y="0"/>
+          <a:ext cx="0" cy="0"/>
+          <a:chOff x="0" y="0"/>
+          <a:chExt cx="0" cy="0"/>
+        </a:xfrm>
+      </p:grpSpPr>
+      <p:sp>
+        <p:nvSpPr>
+          <p:cNvPr id="4" name="Title 3"/>
+          <p:cNvSpPr>
+            <a:spLocks noGrp="1"/>
+          </p:cNvSpPr>
+          <p:nvPr>
+            <p:ph type="title"/>
+          </p:nvPr>
+        </p:nvSpPr>
+        <p:spPr/>
+        <p:txBody>
+          <a:bodyPr/>
+          <a:lstStyle/>
+          <a:p>
+            <a:r>
+              <a:rPr lang="en-US" dirty="0"/>
+              <a:t>Data and Resources:</a:t>
+            </a:r>
+          </a:p>
+        </p:txBody>
+      </p:sp>
+      <p:sp>
+        <p:nvSpPr>
+          <p:cNvPr id="6" name="Content Placeholder 4">
+            <a:extLst>
+              <a:ext uri="{FF2B5EF4-FFF2-40B4-BE49-F238E27FC236}">
+                <a16:creationId xmlns:a16="http://schemas.microsoft.com/office/drawing/2014/main" id="{6931E17B-83E5-2ECF-CB5E-15B8157AB938}"/>
+              </a:ext>
+            </a:extLst>
+          </p:cNvPr>
+          <p:cNvSpPr txBox="1">
+            <a:spLocks/>
+          </p:cNvSpPr>
+          <p:nvPr/>
+        </p:nvSpPr>
+        <p:spPr>
+          <a:xfrm>
+            <a:off x="838200" y="1552754"/>
+            <a:ext cx="9872931" cy="2610985"/>
+          </a:xfrm>
+          <a:prstGeom prst="rect">
+            <a:avLst/>
+          </a:prstGeom>
+        </p:spPr>
+        <p:txBody>
+          <a:bodyPr vert="horz" lIns="91440" tIns="45720" rIns="91440" bIns="45720" rtlCol="0">
+            <a:normAutofit/>
+          </a:bodyPr>
+          <a:lstStyle>
+            <a:lvl1pPr marL="171450" indent="-171450" algn="l" defTabSz="685800" rtl="0" eaLnBrk="1" latinLnBrk="0" hangingPunct="1">
+              <a:lnSpc>
+                <a:spcPct val="90000"/>
+              </a:lnSpc>
+              <a:spcBef>
+                <a:spcPts val="750"/>
+              </a:spcBef>
+              <a:buFont typeface="Arial" panose="020B0604020202020204" pitchFamily="34" charset="0"/>
+              <a:buChar char="•"/>
+              <a:defRPr sz="2700" kern="1200">
+                <a:solidFill>
+                  <a:schemeClr val="tx1"/>
+                </a:solidFill>
+                <a:latin typeface="+mn-lt"/>
+                <a:ea typeface="+mn-ea"/>
+                <a:cs typeface="+mn-cs"/>
+              </a:defRPr>
+            </a:lvl1pPr>
+            <a:lvl2pPr marL="514350" indent="-171450" algn="l" defTabSz="685800" rtl="0" eaLnBrk="1" latinLnBrk="0" hangingPunct="1">
+              <a:lnSpc>
+                <a:spcPct val="90000"/>
+              </a:lnSpc>
+              <a:spcBef>
+                <a:spcPts val="375"/>
+              </a:spcBef>
+              <a:buFont typeface="Arial" panose="020B0604020202020204" pitchFamily="34" charset="0"/>
+              <a:buChar char="•"/>
+              <a:defRPr sz="2400" kern="1200">
+                <a:solidFill>
+                  <a:schemeClr val="tx1"/>
+                </a:solidFill>
+                <a:latin typeface="+mn-lt"/>
+                <a:ea typeface="+mn-ea"/>
+                <a:cs typeface="+mn-cs"/>
+              </a:defRPr>
+            </a:lvl2pPr>
+            <a:lvl3pPr marL="857250" indent="-171450" algn="l" defTabSz="685800" rtl="0" eaLnBrk="1" latinLnBrk="0" hangingPunct="1">
+              <a:lnSpc>
+                <a:spcPct val="90000"/>
+              </a:lnSpc>
+              <a:spcBef>
+                <a:spcPts val="375"/>
+              </a:spcBef>
+              <a:buFont typeface="Arial" panose="020B0604020202020204" pitchFamily="34" charset="0"/>
+              <a:buChar char="•"/>
+              <a:defRPr sz="2100" kern="1200">
+                <a:solidFill>
+                  <a:schemeClr val="tx1"/>
+                </a:solidFill>
+                <a:latin typeface="+mn-lt"/>
+                <a:ea typeface="+mn-ea"/>
+                <a:cs typeface="+mn-cs"/>
+              </a:defRPr>
+            </a:lvl3pPr>
+            <a:lvl4pPr marL="1200150" indent="-171450" algn="l" defTabSz="685800" rtl="0" eaLnBrk="1" latinLnBrk="0" hangingPunct="1">
+              <a:lnSpc>
+                <a:spcPct val="90000"/>
+              </a:lnSpc>
+              <a:spcBef>
+                <a:spcPts val="375"/>
+              </a:spcBef>
+              <a:buFont typeface="Arial" panose="020B0604020202020204" pitchFamily="34" charset="0"/>
+              <a:buChar char="•"/>
+              <a:defRPr sz="1800" kern="1200">
+                <a:solidFill>
+                  <a:schemeClr val="tx1"/>
+                </a:solidFill>
+                <a:latin typeface="+mn-lt"/>
+                <a:ea typeface="+mn-ea"/>
+                <a:cs typeface="+mn-cs"/>
+              </a:defRPr>
+            </a:lvl4pPr>
+            <a:lvl5pPr marL="1543050" indent="-171450" algn="l" defTabSz="685800" rtl="0" eaLnBrk="1" latinLnBrk="0" hangingPunct="1">
+              <a:lnSpc>
+                <a:spcPct val="90000"/>
+              </a:lnSpc>
+              <a:spcBef>
+                <a:spcPts val="375"/>
+              </a:spcBef>
+              <a:buFont typeface="Arial" panose="020B0604020202020204" pitchFamily="34" charset="0"/>
+              <a:buChar char="•"/>
+              <a:defRPr sz="1800" kern="1200">
+                <a:solidFill>
+                  <a:schemeClr val="tx1"/>
+                </a:solidFill>
+                <a:latin typeface="+mn-lt"/>
+                <a:ea typeface="+mn-ea"/>
+                <a:cs typeface="+mn-cs"/>
+              </a:defRPr>
+            </a:lvl5pPr>
+            <a:lvl6pPr marL="1885950" indent="-171450" algn="l" defTabSz="685800" rtl="0" eaLnBrk="1" latinLnBrk="0" hangingPunct="1">
+              <a:lnSpc>
+                <a:spcPct val="90000"/>
+              </a:lnSpc>
+              <a:spcBef>
+                <a:spcPts val="375"/>
+              </a:spcBef>
+              <a:buFont typeface="Arial" panose="020B0604020202020204" pitchFamily="34" charset="0"/>
+              <a:buChar char="•"/>
+              <a:defRPr sz="1350" kern="1200">
+                <a:solidFill>
+                  <a:schemeClr val="tx1"/>
+                </a:solidFill>
+                <a:latin typeface="+mn-lt"/>
+                <a:ea typeface="+mn-ea"/>
+                <a:cs typeface="+mn-cs"/>
+              </a:defRPr>
+            </a:lvl6pPr>
+            <a:lvl7pPr marL="2228850" indent="-171450" algn="l" defTabSz="685800" rtl="0" eaLnBrk="1" latinLnBrk="0" hangingPunct="1">
+              <a:lnSpc>
+                <a:spcPct val="90000"/>
+              </a:lnSpc>
+              <a:spcBef>
+                <a:spcPts val="375"/>
+              </a:spcBef>
+              <a:buFont typeface="Arial" panose="020B0604020202020204" pitchFamily="34" charset="0"/>
+              <a:buChar char="•"/>
+              <a:defRPr sz="1350" kern="1200">
+                <a:solidFill>
+                  <a:schemeClr val="tx1"/>
+                </a:solidFill>
+                <a:latin typeface="+mn-lt"/>
+                <a:ea typeface="+mn-ea"/>
+                <a:cs typeface="+mn-cs"/>
+              </a:defRPr>
+            </a:lvl7pPr>
+            <a:lvl8pPr marL="2571750" indent="-171450" algn="l" defTabSz="685800" rtl="0" eaLnBrk="1" latinLnBrk="0" hangingPunct="1">
+              <a:lnSpc>
+                <a:spcPct val="90000"/>
+              </a:lnSpc>
+              <a:spcBef>
+                <a:spcPts val="375"/>
+              </a:spcBef>
+              <a:buFont typeface="Arial" panose="020B0604020202020204" pitchFamily="34" charset="0"/>
+              <a:buChar char="•"/>
+              <a:defRPr sz="1350" kern="1200">
+                <a:solidFill>
+                  <a:schemeClr val="tx1"/>
+                </a:solidFill>
+                <a:latin typeface="+mn-lt"/>
+                <a:ea typeface="+mn-ea"/>
+                <a:cs typeface="+mn-cs"/>
+              </a:defRPr>
+            </a:lvl8pPr>
+            <a:lvl9pPr marL="2914650" indent="-171450" algn="l" defTabSz="685800" rtl="0" eaLnBrk="1" latinLnBrk="0" hangingPunct="1">
+              <a:lnSpc>
+                <a:spcPct val="90000"/>
+              </a:lnSpc>
+              <a:spcBef>
+                <a:spcPts val="375"/>
+              </a:spcBef>
+              <a:buFont typeface="Arial" panose="020B0604020202020204" pitchFamily="34" charset="0"/>
+              <a:buChar char="•"/>
+              <a:defRPr sz="1350" kern="1200">
+                <a:solidFill>
+                  <a:schemeClr val="tx1"/>
+                </a:solidFill>
+                <a:latin typeface="+mn-lt"/>
+                <a:ea typeface="+mn-ea"/>
+                <a:cs typeface="+mn-cs"/>
+              </a:defRPr>
+            </a:lvl9pPr>
+          </a:lstStyle>
+          <a:p>
+            <a:r>
+              <a:rPr lang="en-US" sz="2100" dirty="0">
+                <a:latin typeface="Calibri" panose="020F0502020204030204" pitchFamily="34" charset="0"/>
+                <a:ea typeface="Calibri" panose="020F0502020204030204" pitchFamily="34" charset="0"/>
+                <a:cs typeface="Times New Roman" panose="02020603050405020304" pitchFamily="18" charset="0"/>
+              </a:rPr>
+              <a:t>Team Stats per season: </a:t>
+            </a:r>
+          </a:p>
+          <a:p>
+            <a:pPr lvl="1"/>
+            <a:r>
+              <a:rPr lang="en-US" sz="1500" dirty="0">
+                <a:latin typeface="Calibri" panose="020F0502020204030204" pitchFamily="34" charset="0"/>
+                <a:ea typeface="Calibri" panose="020F0502020204030204" pitchFamily="34" charset="0"/>
+                <a:cs typeface="Times New Roman" panose="02020603050405020304" pitchFamily="18" charset="0"/>
+              </a:rPr>
+              <a:t>API Call: https://statsapi.web.nhl.com/api/v1/teams</a:t>
+            </a:r>
+          </a:p>
+          <a:p>
+            <a:r>
+              <a:rPr lang="en-US" sz="2100" dirty="0">
+                <a:latin typeface="Calibri" panose="020F0502020204030204" pitchFamily="34" charset="0"/>
+                <a:ea typeface="Calibri" panose="020F0502020204030204" pitchFamily="34" charset="0"/>
+                <a:cs typeface="Times New Roman" panose="02020603050405020304" pitchFamily="18" charset="0"/>
+              </a:rPr>
+              <a:t>Roster per team per season:</a:t>
+            </a:r>
+            <a:r>
+              <a:rPr lang="en-US" sz="1800" dirty="0">
+                <a:latin typeface="Calibri" panose="020F0502020204030204" pitchFamily="34" charset="0"/>
+                <a:ea typeface="Calibri" panose="020F0502020204030204" pitchFamily="34" charset="0"/>
+                <a:cs typeface="Times New Roman" panose="02020603050405020304" pitchFamily="18" charset="0"/>
+              </a:rPr>
+              <a:t>	</a:t>
+            </a:r>
+          </a:p>
+          <a:p>
+            <a:pPr lvl="1"/>
+            <a:r>
+              <a:rPr lang="en-US" sz="1500" dirty="0">
+                <a:latin typeface="Calibri" panose="020F0502020204030204" pitchFamily="34" charset="0"/>
+                <a:ea typeface="Calibri" panose="020F0502020204030204" pitchFamily="34" charset="0"/>
+                <a:cs typeface="Times New Roman" panose="02020603050405020304" pitchFamily="18" charset="0"/>
+              </a:rPr>
+              <a:t>API Call: https://statsapi.web.nhl.com/api/v1/teams/&lt;Team ID&gt;?expand=</a:t>
+            </a:r>
+            <a:r>
+              <a:rPr lang="en-US" sz="1500" dirty="0" err="1">
+                <a:latin typeface="Calibri" panose="020F0502020204030204" pitchFamily="34" charset="0"/>
+                <a:ea typeface="Calibri" panose="020F0502020204030204" pitchFamily="34" charset="0"/>
+                <a:cs typeface="Times New Roman" panose="02020603050405020304" pitchFamily="18" charset="0"/>
+              </a:rPr>
+              <a:t>team.stats&amp;season</a:t>
+            </a:r>
+            <a:r>
+              <a:rPr lang="en-US" sz="1500" dirty="0">
+                <a:latin typeface="Calibri" panose="020F0502020204030204" pitchFamily="34" charset="0"/>
+                <a:ea typeface="Calibri" panose="020F0502020204030204" pitchFamily="34" charset="0"/>
+                <a:cs typeface="Times New Roman" panose="02020603050405020304" pitchFamily="18" charset="0"/>
+              </a:rPr>
+              <a:t>=&lt;season&gt;</a:t>
+            </a:r>
+          </a:p>
+          <a:p>
+            <a:r>
+              <a:rPr lang="en-US" sz="2100" dirty="0">
+                <a:latin typeface="Calibri" panose="020F0502020204030204" pitchFamily="34" charset="0"/>
+                <a:ea typeface="Calibri" panose="020F0502020204030204" pitchFamily="34" charset="0"/>
+                <a:cs typeface="Times New Roman" panose="02020603050405020304" pitchFamily="18" charset="0"/>
+              </a:rPr>
+              <a:t>Player Stats per season:</a:t>
+            </a:r>
+          </a:p>
+          <a:p>
+            <a:pPr lvl="1"/>
+            <a:r>
+              <a:rPr lang="en-US" sz="1500" dirty="0">
+                <a:latin typeface="Calibri" panose="020F0502020204030204" pitchFamily="34" charset="0"/>
+                <a:ea typeface="Calibri" panose="020F0502020204030204" pitchFamily="34" charset="0"/>
+                <a:cs typeface="Times New Roman" panose="02020603050405020304" pitchFamily="18" charset="0"/>
+              </a:rPr>
+              <a:t>API Call: https://statsapi.web.nhl.com/api/v1/teams/&lt;Team ID&gt;?expand=</a:t>
+            </a:r>
+            <a:r>
+              <a:rPr lang="en-US" sz="1500" dirty="0" err="1">
+                <a:latin typeface="Calibri" panose="020F0502020204030204" pitchFamily="34" charset="0"/>
+                <a:ea typeface="Calibri" panose="020F0502020204030204" pitchFamily="34" charset="0"/>
+                <a:cs typeface="Times New Roman" panose="02020603050405020304" pitchFamily="18" charset="0"/>
+              </a:rPr>
+              <a:t>team.roster&amp;season</a:t>
+            </a:r>
+            <a:r>
+              <a:rPr lang="en-US" sz="1500" dirty="0">
+                <a:latin typeface="Calibri" panose="020F0502020204030204" pitchFamily="34" charset="0"/>
+                <a:ea typeface="Calibri" panose="020F0502020204030204" pitchFamily="34" charset="0"/>
+                <a:cs typeface="Times New Roman" panose="02020603050405020304" pitchFamily="18" charset="0"/>
+              </a:rPr>
+              <a:t>=&lt;season&gt;</a:t>
+            </a:r>
+          </a:p>
+          <a:p>
+            <a:r>
+              <a:rPr lang="en-US" sz="2100" dirty="0">
+                <a:latin typeface="Calibri" panose="020F0502020204030204" pitchFamily="34" charset="0"/>
+                <a:ea typeface="Calibri" panose="020F0502020204030204" pitchFamily="34" charset="0"/>
+                <a:cs typeface="Times New Roman" panose="02020603050405020304" pitchFamily="18" charset="0"/>
+              </a:rPr>
+              <a:t>Player Stats year by year season:</a:t>
+            </a:r>
+          </a:p>
+          <a:p>
+            <a:pPr lvl="1"/>
+            <a:r>
+              <a:rPr lang="en-US" sz="1500" dirty="0">
+                <a:latin typeface="Calibri" panose="020F0502020204030204" pitchFamily="34" charset="0"/>
+                <a:ea typeface="Calibri" panose="020F0502020204030204" pitchFamily="34" charset="0"/>
+                <a:cs typeface="Times New Roman" panose="02020603050405020304" pitchFamily="18" charset="0"/>
+              </a:rPr>
+              <a:t>API Call: https://statsapi.web.nhl.com/api/v1/people/&lt;Player ID&gt;/stats??stats=</a:t>
+            </a:r>
+            <a:r>
+              <a:rPr lang="en-US" sz="1500" dirty="0" err="1">
+                <a:latin typeface="Calibri" panose="020F0502020204030204" pitchFamily="34" charset="0"/>
+                <a:ea typeface="Calibri" panose="020F0502020204030204" pitchFamily="34" charset="0"/>
+                <a:cs typeface="Times New Roman" panose="02020603050405020304" pitchFamily="18" charset="0"/>
+              </a:rPr>
+              <a:t>statsSingleSeason&amp;season</a:t>
+            </a:r>
+            <a:r>
+              <a:rPr lang="en-US" sz="1500" dirty="0">
+                <a:latin typeface="Calibri" panose="020F0502020204030204" pitchFamily="34" charset="0"/>
+                <a:ea typeface="Calibri" panose="020F0502020204030204" pitchFamily="34" charset="0"/>
+                <a:cs typeface="Times New Roman" panose="02020603050405020304" pitchFamily="18" charset="0"/>
+              </a:rPr>
+              <a:t>=&lt;season&gt;</a:t>
+            </a:r>
+          </a:p>
+        </p:txBody>
+      </p:sp>
+    </p:spTree>
+    <p:extLst>
+      <p:ext uri="{BB962C8B-B14F-4D97-AF65-F5344CB8AC3E}">
+        <p14:creationId xmlns:p14="http://schemas.microsoft.com/office/powerpoint/2010/main" val="437560558"/>
+      </p:ext>
+    </p:extLst>
+  </p:cSld>
+  <p:clrMapOvr>
+    <a:masterClrMapping/>
+  </p:clrMapOvr>
+</p:sld>
+</file>
+
+<file path=ppt/slides/slide6.xml><?xml version="1.0" encoding="utf-8"?>
+<p:sld xmlns:a="http://schemas.openxmlformats.org/drawingml/2006/main" xmlns:r="http://schemas.openxmlformats.org/officeDocument/2006/relationships" xmlns:p="http://schemas.openxmlformats.org/presentationml/2006/main">
+  <p:cSld>
+    <p:spTree>
+      <p:nvGrpSpPr>
+        <p:cNvPr id="1" name=""/>
+        <p:cNvGrpSpPr/>
+        <p:nvPr/>
+      </p:nvGrpSpPr>
+      <p:grpSpPr>
+        <a:xfrm>
+          <a:off x="0" y="0"/>
+          <a:ext cx="0" cy="0"/>
+          <a:chOff x="0" y="0"/>
+          <a:chExt cx="0" cy="0"/>
+        </a:xfrm>
+      </p:grpSpPr>
+      <p:sp>
+        <p:nvSpPr>
+          <p:cNvPr id="6" name="Title 5"/>
+          <p:cNvSpPr>
+            <a:spLocks noGrp="1"/>
+          </p:cNvSpPr>
+          <p:nvPr>
+            <p:ph type="title"/>
+          </p:nvPr>
+        </p:nvSpPr>
+        <p:spPr>
+          <a:xfrm>
+            <a:off x="5607170" y="1709742"/>
+            <a:ext cx="6271404" cy="809172"/>
+          </a:xfrm>
+        </p:spPr>
+        <p:txBody>
+          <a:bodyPr>
+            <a:normAutofit fontScale="90000"/>
+          </a:bodyPr>
+          <a:lstStyle/>
+          <a:p>
+            <a:pPr algn="l"/>
+            <a:r>
+              <a:rPr lang="en-US" dirty="0"/>
+              <a:t>Stanley Cup winning team</a:t>
+            </a:r>
+          </a:p>
+        </p:txBody>
+      </p:sp>
+      <p:sp>
+        <p:nvSpPr>
+          <p:cNvPr id="7" name="Text Placeholder 6"/>
+          <p:cNvSpPr>
+            <a:spLocks noGrp="1"/>
+          </p:cNvSpPr>
+          <p:nvPr>
+            <p:ph type="body" idx="1"/>
+          </p:nvPr>
+        </p:nvSpPr>
+        <p:spPr>
+          <a:xfrm>
+            <a:off x="5607170" y="2588328"/>
+            <a:ext cx="5455609" cy="1500187"/>
+          </a:xfrm>
+        </p:spPr>
+        <p:txBody>
+          <a:bodyPr/>
+          <a:lstStyle/>
+          <a:p>
+            <a:pPr algn="l"/>
+            <a:r>
+              <a:rPr lang="en-US" dirty="0">
+                <a:solidFill>
+                  <a:schemeClr val="tx1">
+                    <a:lumMod val="85000"/>
+                    <a:lumOff val="15000"/>
+                  </a:schemeClr>
+                </a:solidFill>
+              </a:rPr>
+              <a:t>Select the season and see statistics specifically on the Stanley Cup winning team’s performance!</a:t>
+            </a:r>
+          </a:p>
+        </p:txBody>
+      </p:sp>
+      <p:pic>
+        <p:nvPicPr>
+          <p:cNvPr id="8" name="Picture 7"/>
+          <p:cNvPicPr>
+            <a:picLocks noChangeAspect="1"/>
+          </p:cNvPicPr>
+          <p:nvPr/>
+        </p:nvPicPr>
+        <p:blipFill>
+          <a:blip r:embed="rId3">
+            <a:extLst>
+              <a:ext uri="{28A0092B-C50C-407E-A947-70E740481C1C}">
+                <a14:useLocalDpi xmlns:a14="http://schemas.microsoft.com/office/drawing/2010/main" val="0"/>
+              </a:ext>
+            </a:extLst>
+          </a:blip>
+          <a:stretch>
+            <a:fillRect/>
+          </a:stretch>
+        </p:blipFill>
+        <p:spPr>
+          <a:xfrm>
+            <a:off x="1742674" y="3338422"/>
+            <a:ext cx="3192062" cy="3519578"/>
+          </a:xfrm>
+          <a:prstGeom prst="rect">
+            <a:avLst/>
+          </a:prstGeom>
+        </p:spPr>
+      </p:pic>
+      <p:sp>
+        <p:nvSpPr>
+          <p:cNvPr id="2" name="TextBox 1">
+            <a:extLst>
+              <a:ext uri="{FF2B5EF4-FFF2-40B4-BE49-F238E27FC236}">
+                <a16:creationId xmlns:a16="http://schemas.microsoft.com/office/drawing/2014/main" id="{6BF1AAEA-4564-FCA6-C2F1-06BAFFCD3692}"/>
+              </a:ext>
+            </a:extLst>
+          </p:cNvPr>
+          <p:cNvSpPr txBox="1"/>
+          <p:nvPr/>
+        </p:nvSpPr>
+        <p:spPr>
+          <a:xfrm>
+            <a:off x="0" y="6550223"/>
+            <a:ext cx="2657012" cy="307777"/>
+          </a:xfrm>
+          <a:prstGeom prst="rect">
+            <a:avLst/>
+          </a:prstGeom>
+          <a:noFill/>
+        </p:spPr>
+        <p:txBody>
+          <a:bodyPr wrap="square">
+            <a:spAutoFit/>
+          </a:bodyPr>
+          <a:lstStyle/>
+          <a:p>
+            <a:r>
+              <a:rPr lang="en-US" sz="1400" dirty="0"/>
+              <a:t>© Copyright Showeet.com</a:t>
+            </a:r>
+          </a:p>
+        </p:txBody>
+      </p:sp>
+    </p:spTree>
+    <p:extLst>
+      <p:ext uri="{BB962C8B-B14F-4D97-AF65-F5344CB8AC3E}">
+        <p14:creationId xmlns:p14="http://schemas.microsoft.com/office/powerpoint/2010/main" val="1414535434"/>
+      </p:ext>
+    </p:extLst>
+  </p:cSld>
+  <p:clrMapOvr>
+    <a:masterClrMapping/>
+  </p:clrMapOvr>
+</p:sld>
+</file>
+
+<file path=ppt/slides/slide7.xml><?xml version="1.0" encoding="utf-8"?>
+<p:sld xmlns:a="http://schemas.openxmlformats.org/drawingml/2006/main" xmlns:r="http://schemas.openxmlformats.org/officeDocument/2006/relationships" xmlns:p="http://schemas.openxmlformats.org/presentationml/2006/main">
+  <p:cSld>
+    <p:spTree>
+      <p:nvGrpSpPr>
+        <p:cNvPr id="1" name=""/>
+        <p:cNvGrpSpPr/>
+        <p:nvPr/>
+      </p:nvGrpSpPr>
+      <p:grpSpPr>
+        <a:xfrm>
+          <a:off x="0" y="0"/>
+          <a:ext cx="0" cy="0"/>
+          <a:chOff x="0" y="0"/>
+          <a:chExt cx="0" cy="0"/>
+        </a:xfrm>
+      </p:grpSpPr>
       <p:pic>
         <p:nvPicPr>
           <p:cNvPr id="3" name="Picture 2">
@@ -12887,7 +14029,7 @@
 </p:sld>
 </file>
 
-<file path=ppt/slides/slide11.xml><?xml version="1.0" encoding="utf-8"?>
+<file path=ppt/slides/slide8.xml><?xml version="1.0" encoding="utf-8"?>
 <p:sld xmlns:a="http://schemas.openxmlformats.org/drawingml/2006/main" xmlns:r="http://schemas.openxmlformats.org/officeDocument/2006/relationships" xmlns:p="http://schemas.openxmlformats.org/presentationml/2006/main">
   <p:cSld>
     <p:spTree>
@@ -12916,20 +14058,20 @@
         </p:nvSpPr>
         <p:spPr>
           <a:xfrm>
-            <a:off x="5607170" y="1709742"/>
-            <a:ext cx="6271404" cy="809172"/>
+            <a:off x="5538158" y="1709742"/>
+            <a:ext cx="6124755" cy="809172"/>
           </a:xfrm>
         </p:spPr>
         <p:txBody>
           <a:bodyPr>
-            <a:normAutofit fontScale="90000"/>
+            <a:normAutofit/>
           </a:bodyPr>
           <a:lstStyle/>
           <a:p>
             <a:pPr algn="l"/>
             <a:r>
               <a:rPr lang="en-US" dirty="0"/>
-              <a:t>Goalie statistics comparison</a:t>
+              <a:t>Team comparison</a:t>
             </a:r>
           </a:p>
         </p:txBody>
@@ -12946,8 +14088,8 @@
         </p:nvSpPr>
         <p:spPr>
           <a:xfrm>
-            <a:off x="5667556" y="2588328"/>
-            <a:ext cx="5395224" cy="1500187"/>
+            <a:off x="5607170" y="2588328"/>
+            <a:ext cx="5455609" cy="1500187"/>
           </a:xfrm>
         </p:spPr>
         <p:txBody>
@@ -12964,8 +14106,12 @@
                   </a:schemeClr>
                 </a:solidFill>
               </a:rPr>
-              <a:t>Select the season to see the winning goalie’s statistics vs those of his competitors for that same season!</a:t>
-            </a:r>
+              <a:t>Select the season to see winning team’s statistics vs the overall team averages for that same season!</a:t>
+            </a:r>
+          </a:p>
+          <a:p>
+            <a:pPr algn="l"/>
+            <a:endParaRPr lang="en-US" dirty="0"/>
           </a:p>
         </p:txBody>
       </p:sp>
@@ -13004,1566 +14150,6 @@
           <p:cNvPr id="2" name="TextBox 1">
             <a:extLst>
               <a:ext uri="{FF2B5EF4-FFF2-40B4-BE49-F238E27FC236}">
-                <a16:creationId xmlns:a16="http://schemas.microsoft.com/office/drawing/2014/main" id="{26713B4E-9B31-1571-8B2B-4417A48C89CF}"/>
-              </a:ext>
-            </a:extLst>
-          </p:cNvPr>
-          <p:cNvSpPr txBox="1"/>
-          <p:nvPr/>
-        </p:nvSpPr>
-        <p:spPr>
-          <a:xfrm>
-            <a:off x="0" y="6550223"/>
-            <a:ext cx="2657012" cy="307777"/>
-          </a:xfrm>
-          <a:prstGeom prst="rect">
-            <a:avLst/>
-          </a:prstGeom>
-          <a:noFill/>
-        </p:spPr>
-        <p:txBody>
-          <a:bodyPr wrap="square">
-            <a:spAutoFit/>
-          </a:bodyPr>
-          <a:lstStyle/>
-          <a:p>
-            <a:r>
-              <a:rPr lang="en-US" sz="1400" dirty="0"/>
-              <a:t>© Copyright Showeet.com</a:t>
-            </a:r>
-          </a:p>
-        </p:txBody>
-      </p:sp>
-    </p:spTree>
-    <p:extLst>
-      <p:ext uri="{BB962C8B-B14F-4D97-AF65-F5344CB8AC3E}">
-        <p14:creationId xmlns:p14="http://schemas.microsoft.com/office/powerpoint/2010/main" val="2115108174"/>
-      </p:ext>
-    </p:extLst>
-  </p:cSld>
-  <p:clrMapOvr>
-    <a:masterClrMapping/>
-  </p:clrMapOvr>
-</p:sld>
-</file>
-
-<file path=ppt/slides/slide12.xml><?xml version="1.0" encoding="utf-8"?>
-<p:sld xmlns:a="http://schemas.openxmlformats.org/drawingml/2006/main" xmlns:r="http://schemas.openxmlformats.org/officeDocument/2006/relationships" xmlns:p="http://schemas.openxmlformats.org/presentationml/2006/main">
-  <p:cSld>
-    <p:spTree>
-      <p:nvGrpSpPr>
-        <p:cNvPr id="1" name=""/>
-        <p:cNvGrpSpPr/>
-        <p:nvPr/>
-      </p:nvGrpSpPr>
-      <p:grpSpPr>
-        <a:xfrm>
-          <a:off x="0" y="0"/>
-          <a:ext cx="0" cy="0"/>
-          <a:chOff x="0" y="0"/>
-          <a:chExt cx="0" cy="0"/>
-        </a:xfrm>
-      </p:grpSpPr>
-      <p:sp>
-        <p:nvSpPr>
-          <p:cNvPr id="4" name="Title 3"/>
-          <p:cNvSpPr>
-            <a:spLocks noGrp="1"/>
-          </p:cNvSpPr>
-          <p:nvPr>
-            <p:ph type="title"/>
-          </p:nvPr>
-        </p:nvSpPr>
-        <p:spPr/>
-        <p:txBody>
-          <a:bodyPr/>
-          <a:lstStyle/>
-          <a:p>
-            <a:r>
-              <a:rPr lang="en-US" dirty="0" err="1"/>
-              <a:t>Dfss</a:t>
-            </a:r>
-            <a:r>
-              <a:rPr lang="en-US" dirty="0"/>
-              <a:t>:</a:t>
-            </a:r>
-          </a:p>
-        </p:txBody>
-      </p:sp>
-      <p:sp>
-        <p:nvSpPr>
-          <p:cNvPr id="5" name="Content Placeholder 4"/>
-          <p:cNvSpPr>
-            <a:spLocks noGrp="1"/>
-          </p:cNvSpPr>
-          <p:nvPr>
-            <p:ph idx="1"/>
-          </p:nvPr>
-        </p:nvSpPr>
-        <p:spPr>
-          <a:xfrm>
-            <a:off x="838200" y="1825625"/>
-            <a:ext cx="5381445" cy="4351338"/>
-          </a:xfrm>
-        </p:spPr>
-        <p:txBody>
-          <a:bodyPr>
-            <a:normAutofit/>
-          </a:bodyPr>
-          <a:lstStyle/>
-          <a:p>
-            <a:r>
-              <a:rPr lang="en-US" sz="1800" dirty="0">
-                <a:effectLst/>
-                <a:latin typeface="Calibri" panose="020F0502020204030204" pitchFamily="34" charset="0"/>
-                <a:ea typeface="Calibri" panose="020F0502020204030204" pitchFamily="34" charset="0"/>
-                <a:cs typeface="Times New Roman" panose="02020603050405020304" pitchFamily="18" charset="0"/>
-              </a:rPr>
-              <a:t>a</a:t>
-            </a:r>
-            <a:endParaRPr lang="en-US" dirty="0"/>
-          </a:p>
-        </p:txBody>
-      </p:sp>
-    </p:spTree>
-    <p:extLst>
-      <p:ext uri="{BB962C8B-B14F-4D97-AF65-F5344CB8AC3E}">
-        <p14:creationId xmlns:p14="http://schemas.microsoft.com/office/powerpoint/2010/main" val="3720419304"/>
-      </p:ext>
-    </p:extLst>
-  </p:cSld>
-  <p:clrMapOvr>
-    <a:masterClrMapping/>
-  </p:clrMapOvr>
-</p:sld>
-</file>
-
-<file path=ppt/slides/slide2.xml><?xml version="1.0" encoding="utf-8"?>
-<p:sld xmlns:a="http://schemas.openxmlformats.org/drawingml/2006/main" xmlns:r="http://schemas.openxmlformats.org/officeDocument/2006/relationships" xmlns:p="http://schemas.openxmlformats.org/presentationml/2006/main">
-  <p:cSld>
-    <p:spTree>
-      <p:nvGrpSpPr>
-        <p:cNvPr id="1" name=""/>
-        <p:cNvGrpSpPr/>
-        <p:nvPr/>
-      </p:nvGrpSpPr>
-      <p:grpSpPr>
-        <a:xfrm>
-          <a:off x="0" y="0"/>
-          <a:ext cx="0" cy="0"/>
-          <a:chOff x="0" y="0"/>
-          <a:chExt cx="0" cy="0"/>
-        </a:xfrm>
-      </p:grpSpPr>
-      <p:sp>
-        <p:nvSpPr>
-          <p:cNvPr id="6" name="Title 5"/>
-          <p:cNvSpPr>
-            <a:spLocks noGrp="1"/>
-          </p:cNvSpPr>
-          <p:nvPr>
-            <p:ph type="title"/>
-          </p:nvPr>
-        </p:nvSpPr>
-        <p:spPr>
-          <a:xfrm>
-            <a:off x="6357668" y="1709741"/>
-            <a:ext cx="4989784" cy="705655"/>
-          </a:xfrm>
-        </p:spPr>
-        <p:txBody>
-          <a:bodyPr>
-            <a:normAutofit fontScale="90000"/>
-          </a:bodyPr>
-          <a:lstStyle/>
-          <a:p>
-            <a:pPr algn="l"/>
-            <a:r>
-              <a:rPr lang="en-US" dirty="0"/>
-              <a:t>Agenda:</a:t>
-            </a:r>
-          </a:p>
-        </p:txBody>
-      </p:sp>
-      <p:sp>
-        <p:nvSpPr>
-          <p:cNvPr id="7" name="Text Placeholder 6"/>
-          <p:cNvSpPr>
-            <a:spLocks noGrp="1"/>
-          </p:cNvSpPr>
-          <p:nvPr>
-            <p:ph type="body" idx="1"/>
-          </p:nvPr>
-        </p:nvSpPr>
-        <p:spPr>
-          <a:xfrm>
-            <a:off x="6357668" y="2527752"/>
-            <a:ext cx="4989784" cy="1914853"/>
-          </a:xfrm>
-        </p:spPr>
-        <p:txBody>
-          <a:bodyPr>
-            <a:normAutofit fontScale="85000" lnSpcReduction="20000"/>
-          </a:bodyPr>
-          <a:lstStyle/>
-          <a:p>
-            <a:pPr algn="l"/>
-            <a:r>
-              <a:rPr lang="en-US" dirty="0">
-                <a:solidFill>
-                  <a:schemeClr val="tx1">
-                    <a:lumMod val="85000"/>
-                    <a:lumOff val="15000"/>
-                  </a:schemeClr>
-                </a:solidFill>
-              </a:rPr>
-              <a:t>Introduction:</a:t>
-            </a:r>
-          </a:p>
-          <a:p>
-            <a:pPr algn="l"/>
-            <a:r>
-              <a:rPr lang="en-US" dirty="0">
-                <a:solidFill>
-                  <a:schemeClr val="tx1">
-                    <a:lumMod val="85000"/>
-                    <a:lumOff val="15000"/>
-                  </a:schemeClr>
-                </a:solidFill>
-              </a:rPr>
-              <a:t>	- Background</a:t>
-            </a:r>
-          </a:p>
-          <a:p>
-            <a:pPr algn="l"/>
-            <a:r>
-              <a:rPr lang="en-US" dirty="0">
-                <a:solidFill>
-                  <a:schemeClr val="tx1">
-                    <a:lumMod val="85000"/>
-                    <a:lumOff val="15000"/>
-                  </a:schemeClr>
-                </a:solidFill>
-              </a:rPr>
-              <a:t>	- Data and Resources</a:t>
-            </a:r>
-          </a:p>
-          <a:p>
-            <a:pPr algn="l"/>
-            <a:r>
-              <a:rPr lang="en-US" dirty="0">
-                <a:solidFill>
-                  <a:schemeClr val="tx1">
-                    <a:lumMod val="85000"/>
-                    <a:lumOff val="15000"/>
-                  </a:schemeClr>
-                </a:solidFill>
-              </a:rPr>
-              <a:t>Interactive world map</a:t>
-            </a:r>
-          </a:p>
-          <a:p>
-            <a:pPr algn="l"/>
-            <a:r>
-              <a:rPr lang="en-US" dirty="0">
-                <a:solidFill>
-                  <a:schemeClr val="tx1">
-                    <a:lumMod val="85000"/>
-                    <a:lumOff val="15000"/>
-                  </a:schemeClr>
-                </a:solidFill>
-              </a:rPr>
-              <a:t>Winning team comparison</a:t>
-            </a:r>
-          </a:p>
-          <a:p>
-            <a:pPr algn="l"/>
-            <a:r>
-              <a:rPr lang="en-US" dirty="0">
-                <a:solidFill>
-                  <a:schemeClr val="tx1">
-                    <a:lumMod val="85000"/>
-                    <a:lumOff val="15000"/>
-                  </a:schemeClr>
-                </a:solidFill>
-              </a:rPr>
-              <a:t>Player statistics information</a:t>
-            </a:r>
-          </a:p>
-          <a:p>
-            <a:pPr algn="l"/>
-            <a:r>
-              <a:rPr lang="en-US" dirty="0">
-                <a:solidFill>
-                  <a:schemeClr val="tx1">
-                    <a:lumMod val="85000"/>
-                    <a:lumOff val="15000"/>
-                  </a:schemeClr>
-                </a:solidFill>
-              </a:rPr>
-              <a:t>Goalie statistics comparison</a:t>
-            </a:r>
-          </a:p>
-        </p:txBody>
-      </p:sp>
-      <p:pic>
-        <p:nvPicPr>
-          <p:cNvPr id="4" name="Picture 3"/>
-          <p:cNvPicPr>
-            <a:picLocks noChangeAspect="1"/>
-          </p:cNvPicPr>
-          <p:nvPr/>
-        </p:nvPicPr>
-        <p:blipFill>
-          <a:blip r:embed="rId3">
-            <a:extLst>
-              <a:ext uri="{28A0092B-C50C-407E-A947-70E740481C1C}">
-                <a14:useLocalDpi xmlns:a14="http://schemas.microsoft.com/office/drawing/2010/main" val="0"/>
-              </a:ext>
-            </a:extLst>
-          </a:blip>
-          <a:stretch>
-            <a:fillRect/>
-          </a:stretch>
-        </p:blipFill>
-        <p:spPr>
-          <a:xfrm>
-            <a:off x="1742674" y="3338422"/>
-            <a:ext cx="3192062" cy="3519578"/>
-          </a:xfrm>
-          <a:prstGeom prst="rect">
-            <a:avLst/>
-          </a:prstGeom>
-        </p:spPr>
-      </p:pic>
-      <p:sp>
-        <p:nvSpPr>
-          <p:cNvPr id="2" name="TextBox 1">
-            <a:extLst>
-              <a:ext uri="{FF2B5EF4-FFF2-40B4-BE49-F238E27FC236}">
-                <a16:creationId xmlns:a16="http://schemas.microsoft.com/office/drawing/2014/main" id="{C8146CCE-ADC4-8566-3511-933F48258D7F}"/>
-              </a:ext>
-            </a:extLst>
-          </p:cNvPr>
-          <p:cNvSpPr txBox="1"/>
-          <p:nvPr/>
-        </p:nvSpPr>
-        <p:spPr>
-          <a:xfrm>
-            <a:off x="0" y="6550223"/>
-            <a:ext cx="2657012" cy="307777"/>
-          </a:xfrm>
-          <a:prstGeom prst="rect">
-            <a:avLst/>
-          </a:prstGeom>
-          <a:noFill/>
-        </p:spPr>
-        <p:txBody>
-          <a:bodyPr wrap="square">
-            <a:spAutoFit/>
-          </a:bodyPr>
-          <a:lstStyle/>
-          <a:p>
-            <a:r>
-              <a:rPr lang="en-US" sz="1400" dirty="0"/>
-              <a:t>© Copyright Showeet.com</a:t>
-            </a:r>
-          </a:p>
-        </p:txBody>
-      </p:sp>
-    </p:spTree>
-    <p:extLst>
-      <p:ext uri="{BB962C8B-B14F-4D97-AF65-F5344CB8AC3E}">
-        <p14:creationId xmlns:p14="http://schemas.microsoft.com/office/powerpoint/2010/main" val="3838412597"/>
-      </p:ext>
-    </p:extLst>
-  </p:cSld>
-  <p:clrMapOvr>
-    <a:masterClrMapping/>
-  </p:clrMapOvr>
-</p:sld>
-</file>
-
-<file path=ppt/slides/slide3.xml><?xml version="1.0" encoding="utf-8"?>
-<p:sld xmlns:a="http://schemas.openxmlformats.org/drawingml/2006/main" xmlns:r="http://schemas.openxmlformats.org/officeDocument/2006/relationships" xmlns:p="http://schemas.openxmlformats.org/presentationml/2006/main">
-  <p:cSld>
-    <p:spTree>
-      <p:nvGrpSpPr>
-        <p:cNvPr id="1" name=""/>
-        <p:cNvGrpSpPr/>
-        <p:nvPr/>
-      </p:nvGrpSpPr>
-      <p:grpSpPr>
-        <a:xfrm>
-          <a:off x="0" y="0"/>
-          <a:ext cx="0" cy="0"/>
-          <a:chOff x="0" y="0"/>
-          <a:chExt cx="0" cy="0"/>
-        </a:xfrm>
-      </p:grpSpPr>
-      <p:sp>
-        <p:nvSpPr>
-          <p:cNvPr id="4" name="Title 3"/>
-          <p:cNvSpPr>
-            <a:spLocks noGrp="1"/>
-          </p:cNvSpPr>
-          <p:nvPr>
-            <p:ph type="title"/>
-          </p:nvPr>
-        </p:nvSpPr>
-        <p:spPr/>
-        <p:txBody>
-          <a:bodyPr/>
-          <a:lstStyle/>
-          <a:p>
-            <a:r>
-              <a:rPr lang="en-US" dirty="0"/>
-              <a:t>Background:</a:t>
-            </a:r>
-          </a:p>
-        </p:txBody>
-      </p:sp>
-      <p:sp>
-        <p:nvSpPr>
-          <p:cNvPr id="5" name="Content Placeholder 4"/>
-          <p:cNvSpPr>
-            <a:spLocks noGrp="1"/>
-          </p:cNvSpPr>
-          <p:nvPr>
-            <p:ph idx="1"/>
-          </p:nvPr>
-        </p:nvSpPr>
-        <p:spPr>
-          <a:xfrm>
-            <a:off x="838200" y="1851504"/>
-            <a:ext cx="5381445" cy="4351338"/>
-          </a:xfrm>
-        </p:spPr>
-        <p:txBody>
-          <a:bodyPr>
-            <a:normAutofit/>
-          </a:bodyPr>
-          <a:lstStyle/>
-          <a:p>
-            <a:r>
-              <a:rPr lang="en-US" sz="1800" dirty="0">
-                <a:effectLst/>
-                <a:latin typeface="Calibri" panose="020F0502020204030204" pitchFamily="34" charset="0"/>
-                <a:ea typeface="Calibri" panose="020F0502020204030204" pitchFamily="34" charset="0"/>
-                <a:cs typeface="Times New Roman" panose="02020603050405020304" pitchFamily="18" charset="0"/>
-              </a:rPr>
-              <a:t>For this project version, we are focused on providing the best visuals representing data related to Stanley Cup winning teams over the last 30 seasons.   We are providing an enhanced user experience by creating an interactive dashboard that will enable the end user to select various filters to analyze and compare data from each winning team over the course of the last 30 seasons vs the rest of the league, or for informative purposes to analyze player statistics.  The basis of this project, is the evolution of our initial data gathering and analysis on this topic which can be found here: (</a:t>
-            </a:r>
-            <a:r>
-              <a:rPr lang="en-US" sz="1800" u="sng" dirty="0">
-                <a:solidFill>
-                  <a:srgbClr val="0563C1"/>
-                </a:solidFill>
-                <a:effectLst/>
-                <a:latin typeface="Calibri" panose="020F0502020204030204" pitchFamily="34" charset="0"/>
-                <a:ea typeface="Calibri" panose="020F0502020204030204" pitchFamily="34" charset="0"/>
-                <a:cs typeface="Times New Roman" panose="02020603050405020304" pitchFamily="18" charset="0"/>
-                <a:hlinkClick r:id="rId3"/>
-              </a:rPr>
-              <a:t>https://github.com/rbrennan55/project-sports-analytics-NHL.git</a:t>
-            </a:r>
-            <a:r>
-              <a:rPr lang="en-US" sz="1800" dirty="0">
-                <a:effectLst/>
-                <a:latin typeface="Calibri" panose="020F0502020204030204" pitchFamily="34" charset="0"/>
-                <a:ea typeface="Calibri" panose="020F0502020204030204" pitchFamily="34" charset="0"/>
-                <a:cs typeface="Times New Roman" panose="02020603050405020304" pitchFamily="18" charset="0"/>
-              </a:rPr>
-              <a:t>). </a:t>
-            </a:r>
-            <a:endParaRPr lang="en-US" dirty="0"/>
-          </a:p>
-        </p:txBody>
-      </p:sp>
-      <p:pic>
-        <p:nvPicPr>
-          <p:cNvPr id="2" name="Picture 1">
-            <a:extLst>
-              <a:ext uri="{FF2B5EF4-FFF2-40B4-BE49-F238E27FC236}">
-                <a16:creationId xmlns:a16="http://schemas.microsoft.com/office/drawing/2014/main" id="{A8654CFC-3C22-884F-B5B5-FDCA63F51B00}"/>
-              </a:ext>
-            </a:extLst>
-          </p:cNvPr>
-          <p:cNvPicPr>
-            <a:picLocks noChangeAspect="1"/>
-          </p:cNvPicPr>
-          <p:nvPr/>
-        </p:nvPicPr>
-        <p:blipFill>
-          <a:blip r:embed="rId4"/>
-          <a:stretch>
-            <a:fillRect/>
-          </a:stretch>
-        </p:blipFill>
-        <p:spPr>
-          <a:xfrm>
-            <a:off x="7300182" y="888521"/>
-            <a:ext cx="4182218" cy="4427974"/>
-          </a:xfrm>
-          <a:prstGeom prst="rect">
-            <a:avLst/>
-          </a:prstGeom>
-        </p:spPr>
-      </p:pic>
-      <p:sp>
-        <p:nvSpPr>
-          <p:cNvPr id="3" name="TextBox 2">
-            <a:extLst>
-              <a:ext uri="{FF2B5EF4-FFF2-40B4-BE49-F238E27FC236}">
-                <a16:creationId xmlns:a16="http://schemas.microsoft.com/office/drawing/2014/main" id="{EDE64B6D-5EE6-5AC6-D4FD-A173D99EF40A}"/>
-              </a:ext>
-            </a:extLst>
-          </p:cNvPr>
-          <p:cNvSpPr txBox="1"/>
-          <p:nvPr/>
-        </p:nvSpPr>
-        <p:spPr>
-          <a:xfrm>
-            <a:off x="6892506" y="5569369"/>
-            <a:ext cx="5299494" cy="400110"/>
-          </a:xfrm>
-          <a:prstGeom prst="rect">
-            <a:avLst/>
-          </a:prstGeom>
-          <a:noFill/>
-        </p:spPr>
-        <p:txBody>
-          <a:bodyPr wrap="square">
-            <a:spAutoFit/>
-          </a:bodyPr>
-          <a:lstStyle/>
-          <a:p>
-            <a:r>
-              <a:rPr lang="en-US" sz="1000" i="1" dirty="0">
-                <a:solidFill>
-                  <a:srgbClr val="1F2328"/>
-                </a:solidFill>
-                <a:latin typeface="-apple-system"/>
-              </a:rPr>
-              <a:t>(The NHL and the NHL Shield are registered trademarks of the National Hockey League. NHL and NHL team marks are the property of the NHL and its teams. © NHL 2023. All Rights Reserved.)</a:t>
-            </a:r>
-            <a:endParaRPr lang="en-US" sz="1000" dirty="0">
-              <a:solidFill>
-                <a:prstClr val="black"/>
-              </a:solidFill>
-              <a:latin typeface="Univers"/>
-            </a:endParaRPr>
-          </a:p>
-        </p:txBody>
-      </p:sp>
-    </p:spTree>
-    <p:extLst>
-      <p:ext uri="{BB962C8B-B14F-4D97-AF65-F5344CB8AC3E}">
-        <p14:creationId xmlns:p14="http://schemas.microsoft.com/office/powerpoint/2010/main" val="1280970567"/>
-      </p:ext>
-    </p:extLst>
-  </p:cSld>
-  <p:clrMapOvr>
-    <a:masterClrMapping/>
-  </p:clrMapOvr>
-</p:sld>
-</file>
-
-<file path=ppt/slides/slide4.xml><?xml version="1.0" encoding="utf-8"?>
-<p:sld xmlns:a="http://schemas.openxmlformats.org/drawingml/2006/main" xmlns:r="http://schemas.openxmlformats.org/officeDocument/2006/relationships" xmlns:p="http://schemas.openxmlformats.org/presentationml/2006/main">
-  <p:cSld>
-    <p:spTree>
-      <p:nvGrpSpPr>
-        <p:cNvPr id="1" name=""/>
-        <p:cNvGrpSpPr/>
-        <p:nvPr/>
-      </p:nvGrpSpPr>
-      <p:grpSpPr>
-        <a:xfrm>
-          <a:off x="0" y="0"/>
-          <a:ext cx="0" cy="0"/>
-          <a:chOff x="0" y="0"/>
-          <a:chExt cx="0" cy="0"/>
-        </a:xfrm>
-      </p:grpSpPr>
-      <p:sp>
-        <p:nvSpPr>
-          <p:cNvPr id="4" name="Title 3"/>
-          <p:cNvSpPr>
-            <a:spLocks noGrp="1"/>
-          </p:cNvSpPr>
-          <p:nvPr>
-            <p:ph type="title"/>
-          </p:nvPr>
-        </p:nvSpPr>
-        <p:spPr/>
-        <p:txBody>
-          <a:bodyPr/>
-          <a:lstStyle/>
-          <a:p>
-            <a:r>
-              <a:rPr lang="en-US" dirty="0"/>
-              <a:t>Data and Resources:</a:t>
-            </a:r>
-          </a:p>
-        </p:txBody>
-      </p:sp>
-      <p:sp>
-        <p:nvSpPr>
-          <p:cNvPr id="6" name="Content Placeholder 4">
-            <a:extLst>
-              <a:ext uri="{FF2B5EF4-FFF2-40B4-BE49-F238E27FC236}">
-                <a16:creationId xmlns:a16="http://schemas.microsoft.com/office/drawing/2014/main" id="{6931E17B-83E5-2ECF-CB5E-15B8157AB938}"/>
-              </a:ext>
-            </a:extLst>
-          </p:cNvPr>
-          <p:cNvSpPr txBox="1">
-            <a:spLocks/>
-          </p:cNvSpPr>
-          <p:nvPr/>
-        </p:nvSpPr>
-        <p:spPr>
-          <a:xfrm>
-            <a:off x="838200" y="3881886"/>
-            <a:ext cx="9872931" cy="2610985"/>
-          </a:xfrm>
-          <a:prstGeom prst="rect">
-            <a:avLst/>
-          </a:prstGeom>
-        </p:spPr>
-        <p:txBody>
-          <a:bodyPr vert="horz" lIns="91440" tIns="45720" rIns="91440" bIns="45720" rtlCol="0">
-            <a:normAutofit/>
-          </a:bodyPr>
-          <a:lstStyle>
-            <a:lvl1pPr marL="171450" indent="-171450" algn="l" defTabSz="685800" rtl="0" eaLnBrk="1" latinLnBrk="0" hangingPunct="1">
-              <a:lnSpc>
-                <a:spcPct val="90000"/>
-              </a:lnSpc>
-              <a:spcBef>
-                <a:spcPts val="750"/>
-              </a:spcBef>
-              <a:buFont typeface="Arial" panose="020B0604020202020204" pitchFamily="34" charset="0"/>
-              <a:buChar char="•"/>
-              <a:defRPr sz="2700" kern="1200">
-                <a:solidFill>
-                  <a:schemeClr val="tx1"/>
-                </a:solidFill>
-                <a:latin typeface="+mn-lt"/>
-                <a:ea typeface="+mn-ea"/>
-                <a:cs typeface="+mn-cs"/>
-              </a:defRPr>
-            </a:lvl1pPr>
-            <a:lvl2pPr marL="514350" indent="-171450" algn="l" defTabSz="685800" rtl="0" eaLnBrk="1" latinLnBrk="0" hangingPunct="1">
-              <a:lnSpc>
-                <a:spcPct val="90000"/>
-              </a:lnSpc>
-              <a:spcBef>
-                <a:spcPts val="375"/>
-              </a:spcBef>
-              <a:buFont typeface="Arial" panose="020B0604020202020204" pitchFamily="34" charset="0"/>
-              <a:buChar char="•"/>
-              <a:defRPr sz="2400" kern="1200">
-                <a:solidFill>
-                  <a:schemeClr val="tx1"/>
-                </a:solidFill>
-                <a:latin typeface="+mn-lt"/>
-                <a:ea typeface="+mn-ea"/>
-                <a:cs typeface="+mn-cs"/>
-              </a:defRPr>
-            </a:lvl2pPr>
-            <a:lvl3pPr marL="857250" indent="-171450" algn="l" defTabSz="685800" rtl="0" eaLnBrk="1" latinLnBrk="0" hangingPunct="1">
-              <a:lnSpc>
-                <a:spcPct val="90000"/>
-              </a:lnSpc>
-              <a:spcBef>
-                <a:spcPts val="375"/>
-              </a:spcBef>
-              <a:buFont typeface="Arial" panose="020B0604020202020204" pitchFamily="34" charset="0"/>
-              <a:buChar char="•"/>
-              <a:defRPr sz="2100" kern="1200">
-                <a:solidFill>
-                  <a:schemeClr val="tx1"/>
-                </a:solidFill>
-                <a:latin typeface="+mn-lt"/>
-                <a:ea typeface="+mn-ea"/>
-                <a:cs typeface="+mn-cs"/>
-              </a:defRPr>
-            </a:lvl3pPr>
-            <a:lvl4pPr marL="1200150" indent="-171450" algn="l" defTabSz="685800" rtl="0" eaLnBrk="1" latinLnBrk="0" hangingPunct="1">
-              <a:lnSpc>
-                <a:spcPct val="90000"/>
-              </a:lnSpc>
-              <a:spcBef>
-                <a:spcPts val="375"/>
-              </a:spcBef>
-              <a:buFont typeface="Arial" panose="020B0604020202020204" pitchFamily="34" charset="0"/>
-              <a:buChar char="•"/>
-              <a:defRPr sz="1800" kern="1200">
-                <a:solidFill>
-                  <a:schemeClr val="tx1"/>
-                </a:solidFill>
-                <a:latin typeface="+mn-lt"/>
-                <a:ea typeface="+mn-ea"/>
-                <a:cs typeface="+mn-cs"/>
-              </a:defRPr>
-            </a:lvl4pPr>
-            <a:lvl5pPr marL="1543050" indent="-171450" algn="l" defTabSz="685800" rtl="0" eaLnBrk="1" latinLnBrk="0" hangingPunct="1">
-              <a:lnSpc>
-                <a:spcPct val="90000"/>
-              </a:lnSpc>
-              <a:spcBef>
-                <a:spcPts val="375"/>
-              </a:spcBef>
-              <a:buFont typeface="Arial" panose="020B0604020202020204" pitchFamily="34" charset="0"/>
-              <a:buChar char="•"/>
-              <a:defRPr sz="1800" kern="1200">
-                <a:solidFill>
-                  <a:schemeClr val="tx1"/>
-                </a:solidFill>
-                <a:latin typeface="+mn-lt"/>
-                <a:ea typeface="+mn-ea"/>
-                <a:cs typeface="+mn-cs"/>
-              </a:defRPr>
-            </a:lvl5pPr>
-            <a:lvl6pPr marL="1885950" indent="-171450" algn="l" defTabSz="685800" rtl="0" eaLnBrk="1" latinLnBrk="0" hangingPunct="1">
-              <a:lnSpc>
-                <a:spcPct val="90000"/>
-              </a:lnSpc>
-              <a:spcBef>
-                <a:spcPts val="375"/>
-              </a:spcBef>
-              <a:buFont typeface="Arial" panose="020B0604020202020204" pitchFamily="34" charset="0"/>
-              <a:buChar char="•"/>
-              <a:defRPr sz="1350" kern="1200">
-                <a:solidFill>
-                  <a:schemeClr val="tx1"/>
-                </a:solidFill>
-                <a:latin typeface="+mn-lt"/>
-                <a:ea typeface="+mn-ea"/>
-                <a:cs typeface="+mn-cs"/>
-              </a:defRPr>
-            </a:lvl6pPr>
-            <a:lvl7pPr marL="2228850" indent="-171450" algn="l" defTabSz="685800" rtl="0" eaLnBrk="1" latinLnBrk="0" hangingPunct="1">
-              <a:lnSpc>
-                <a:spcPct val="90000"/>
-              </a:lnSpc>
-              <a:spcBef>
-                <a:spcPts val="375"/>
-              </a:spcBef>
-              <a:buFont typeface="Arial" panose="020B0604020202020204" pitchFamily="34" charset="0"/>
-              <a:buChar char="•"/>
-              <a:defRPr sz="1350" kern="1200">
-                <a:solidFill>
-                  <a:schemeClr val="tx1"/>
-                </a:solidFill>
-                <a:latin typeface="+mn-lt"/>
-                <a:ea typeface="+mn-ea"/>
-                <a:cs typeface="+mn-cs"/>
-              </a:defRPr>
-            </a:lvl7pPr>
-            <a:lvl8pPr marL="2571750" indent="-171450" algn="l" defTabSz="685800" rtl="0" eaLnBrk="1" latinLnBrk="0" hangingPunct="1">
-              <a:lnSpc>
-                <a:spcPct val="90000"/>
-              </a:lnSpc>
-              <a:spcBef>
-                <a:spcPts val="375"/>
-              </a:spcBef>
-              <a:buFont typeface="Arial" panose="020B0604020202020204" pitchFamily="34" charset="0"/>
-              <a:buChar char="•"/>
-              <a:defRPr sz="1350" kern="1200">
-                <a:solidFill>
-                  <a:schemeClr val="tx1"/>
-                </a:solidFill>
-                <a:latin typeface="+mn-lt"/>
-                <a:ea typeface="+mn-ea"/>
-                <a:cs typeface="+mn-cs"/>
-              </a:defRPr>
-            </a:lvl8pPr>
-            <a:lvl9pPr marL="2914650" indent="-171450" algn="l" defTabSz="685800" rtl="0" eaLnBrk="1" latinLnBrk="0" hangingPunct="1">
-              <a:lnSpc>
-                <a:spcPct val="90000"/>
-              </a:lnSpc>
-              <a:spcBef>
-                <a:spcPts val="375"/>
-              </a:spcBef>
-              <a:buFont typeface="Arial" panose="020B0604020202020204" pitchFamily="34" charset="0"/>
-              <a:buChar char="•"/>
-              <a:defRPr sz="1350" kern="1200">
-                <a:solidFill>
-                  <a:schemeClr val="tx1"/>
-                </a:solidFill>
-                <a:latin typeface="+mn-lt"/>
-                <a:ea typeface="+mn-ea"/>
-                <a:cs typeface="+mn-cs"/>
-              </a:defRPr>
-            </a:lvl9pPr>
-          </a:lstStyle>
-          <a:p>
-            <a:r>
-              <a:rPr lang="en-US" sz="2100" dirty="0">
-                <a:latin typeface="Calibri" panose="020F0502020204030204" pitchFamily="34" charset="0"/>
-                <a:ea typeface="Calibri" panose="020F0502020204030204" pitchFamily="34" charset="0"/>
-                <a:cs typeface="Times New Roman" panose="02020603050405020304" pitchFamily="18" charset="0"/>
-              </a:rPr>
-              <a:t>Team Stats per season: </a:t>
-            </a:r>
-          </a:p>
-          <a:p>
-            <a:pPr lvl="1"/>
-            <a:r>
-              <a:rPr lang="en-US" sz="1500" dirty="0">
-                <a:latin typeface="Calibri" panose="020F0502020204030204" pitchFamily="34" charset="0"/>
-                <a:ea typeface="Calibri" panose="020F0502020204030204" pitchFamily="34" charset="0"/>
-                <a:cs typeface="Times New Roman" panose="02020603050405020304" pitchFamily="18" charset="0"/>
-              </a:rPr>
-              <a:t>API Call: https://statsapi.web.nhl.com/api/v1/teams</a:t>
-            </a:r>
-          </a:p>
-          <a:p>
-            <a:r>
-              <a:rPr lang="en-US" sz="2100" dirty="0">
-                <a:latin typeface="Calibri" panose="020F0502020204030204" pitchFamily="34" charset="0"/>
-                <a:ea typeface="Calibri" panose="020F0502020204030204" pitchFamily="34" charset="0"/>
-                <a:cs typeface="Times New Roman" panose="02020603050405020304" pitchFamily="18" charset="0"/>
-              </a:rPr>
-              <a:t>Roster per team per season:</a:t>
-            </a:r>
-            <a:r>
-              <a:rPr lang="en-US" sz="1800" dirty="0">
-                <a:latin typeface="Calibri" panose="020F0502020204030204" pitchFamily="34" charset="0"/>
-                <a:ea typeface="Calibri" panose="020F0502020204030204" pitchFamily="34" charset="0"/>
-                <a:cs typeface="Times New Roman" panose="02020603050405020304" pitchFamily="18" charset="0"/>
-              </a:rPr>
-              <a:t>	</a:t>
-            </a:r>
-          </a:p>
-          <a:p>
-            <a:pPr lvl="1"/>
-            <a:r>
-              <a:rPr lang="en-US" sz="1500" dirty="0">
-                <a:latin typeface="Calibri" panose="020F0502020204030204" pitchFamily="34" charset="0"/>
-                <a:ea typeface="Calibri" panose="020F0502020204030204" pitchFamily="34" charset="0"/>
-                <a:cs typeface="Times New Roman" panose="02020603050405020304" pitchFamily="18" charset="0"/>
-              </a:rPr>
-              <a:t>API Call: https://statsapi.web.nhl.com/api/v1/teams/&lt;Team ID&gt;?expand=</a:t>
-            </a:r>
-            <a:r>
-              <a:rPr lang="en-US" sz="1500" dirty="0" err="1">
-                <a:latin typeface="Calibri" panose="020F0502020204030204" pitchFamily="34" charset="0"/>
-                <a:ea typeface="Calibri" panose="020F0502020204030204" pitchFamily="34" charset="0"/>
-                <a:cs typeface="Times New Roman" panose="02020603050405020304" pitchFamily="18" charset="0"/>
-              </a:rPr>
-              <a:t>team.stats&amp;season</a:t>
-            </a:r>
-            <a:r>
-              <a:rPr lang="en-US" sz="1500" dirty="0">
-                <a:latin typeface="Calibri" panose="020F0502020204030204" pitchFamily="34" charset="0"/>
-                <a:ea typeface="Calibri" panose="020F0502020204030204" pitchFamily="34" charset="0"/>
-                <a:cs typeface="Times New Roman" panose="02020603050405020304" pitchFamily="18" charset="0"/>
-              </a:rPr>
-              <a:t>=&lt;season&gt;</a:t>
-            </a:r>
-          </a:p>
-          <a:p>
-            <a:r>
-              <a:rPr lang="en-US" sz="2100" dirty="0">
-                <a:latin typeface="Calibri" panose="020F0502020204030204" pitchFamily="34" charset="0"/>
-                <a:ea typeface="Calibri" panose="020F0502020204030204" pitchFamily="34" charset="0"/>
-                <a:cs typeface="Times New Roman" panose="02020603050405020304" pitchFamily="18" charset="0"/>
-              </a:rPr>
-              <a:t>Player Stats per season:</a:t>
-            </a:r>
-          </a:p>
-          <a:p>
-            <a:pPr lvl="1"/>
-            <a:r>
-              <a:rPr lang="en-US" sz="1500" dirty="0">
-                <a:latin typeface="Calibri" panose="020F0502020204030204" pitchFamily="34" charset="0"/>
-                <a:ea typeface="Calibri" panose="020F0502020204030204" pitchFamily="34" charset="0"/>
-                <a:cs typeface="Times New Roman" panose="02020603050405020304" pitchFamily="18" charset="0"/>
-              </a:rPr>
-              <a:t>API Call: https://statsapi.web.nhl.com/api/v1/teams/&lt;Team ID&gt;?expand=</a:t>
-            </a:r>
-            <a:r>
-              <a:rPr lang="en-US" sz="1500" dirty="0" err="1">
-                <a:latin typeface="Calibri" panose="020F0502020204030204" pitchFamily="34" charset="0"/>
-                <a:ea typeface="Calibri" panose="020F0502020204030204" pitchFamily="34" charset="0"/>
-                <a:cs typeface="Times New Roman" panose="02020603050405020304" pitchFamily="18" charset="0"/>
-              </a:rPr>
-              <a:t>team.roster&amp;season</a:t>
-            </a:r>
-            <a:r>
-              <a:rPr lang="en-US" sz="1500" dirty="0">
-                <a:latin typeface="Calibri" panose="020F0502020204030204" pitchFamily="34" charset="0"/>
-                <a:ea typeface="Calibri" panose="020F0502020204030204" pitchFamily="34" charset="0"/>
-                <a:cs typeface="Times New Roman" panose="02020603050405020304" pitchFamily="18" charset="0"/>
-              </a:rPr>
-              <a:t>=&lt;season&gt;</a:t>
-            </a:r>
-          </a:p>
-          <a:p>
-            <a:r>
-              <a:rPr lang="en-US" sz="2100" dirty="0">
-                <a:latin typeface="Calibri" panose="020F0502020204030204" pitchFamily="34" charset="0"/>
-                <a:ea typeface="Calibri" panose="020F0502020204030204" pitchFamily="34" charset="0"/>
-                <a:cs typeface="Times New Roman" panose="02020603050405020304" pitchFamily="18" charset="0"/>
-              </a:rPr>
-              <a:t>Player Stats year by year season:</a:t>
-            </a:r>
-          </a:p>
-          <a:p>
-            <a:pPr lvl="1"/>
-            <a:r>
-              <a:rPr lang="en-US" sz="1500" dirty="0">
-                <a:latin typeface="Calibri" panose="020F0502020204030204" pitchFamily="34" charset="0"/>
-                <a:ea typeface="Calibri" panose="020F0502020204030204" pitchFamily="34" charset="0"/>
-                <a:cs typeface="Times New Roman" panose="02020603050405020304" pitchFamily="18" charset="0"/>
-              </a:rPr>
-              <a:t>API Call: https://statsapi.web.nhl.com/api/v1/people/&lt;Player ID&gt;/stats??stats=</a:t>
-            </a:r>
-            <a:r>
-              <a:rPr lang="en-US" sz="1500" dirty="0" err="1">
-                <a:latin typeface="Calibri" panose="020F0502020204030204" pitchFamily="34" charset="0"/>
-                <a:ea typeface="Calibri" panose="020F0502020204030204" pitchFamily="34" charset="0"/>
-                <a:cs typeface="Times New Roman" panose="02020603050405020304" pitchFamily="18" charset="0"/>
-              </a:rPr>
-              <a:t>statsSingleSeason&amp;season</a:t>
-            </a:r>
-            <a:r>
-              <a:rPr lang="en-US" sz="1500" dirty="0">
-                <a:latin typeface="Calibri" panose="020F0502020204030204" pitchFamily="34" charset="0"/>
-                <a:ea typeface="Calibri" panose="020F0502020204030204" pitchFamily="34" charset="0"/>
-                <a:cs typeface="Times New Roman" panose="02020603050405020304" pitchFamily="18" charset="0"/>
-              </a:rPr>
-              <a:t>=&lt;season&gt;</a:t>
-            </a:r>
-          </a:p>
-        </p:txBody>
-      </p:sp>
-      <p:sp>
-        <p:nvSpPr>
-          <p:cNvPr id="10" name="Content Placeholder 4">
-            <a:extLst>
-              <a:ext uri="{FF2B5EF4-FFF2-40B4-BE49-F238E27FC236}">
-                <a16:creationId xmlns:a16="http://schemas.microsoft.com/office/drawing/2014/main" id="{61E3CF7E-2AC0-01E1-CA3F-F65369DFBC71}"/>
-              </a:ext>
-            </a:extLst>
-          </p:cNvPr>
-          <p:cNvSpPr txBox="1">
-            <a:spLocks/>
-          </p:cNvSpPr>
-          <p:nvPr/>
-        </p:nvSpPr>
-        <p:spPr>
-          <a:xfrm>
-            <a:off x="904337" y="1690691"/>
-            <a:ext cx="9872931" cy="2017144"/>
-          </a:xfrm>
-          <a:prstGeom prst="rect">
-            <a:avLst/>
-          </a:prstGeom>
-        </p:spPr>
-        <p:txBody>
-          <a:bodyPr vert="horz" lIns="91440" tIns="45720" rIns="91440" bIns="45720" rtlCol="0">
-            <a:normAutofit/>
-          </a:bodyPr>
-          <a:lstStyle>
-            <a:lvl1pPr marL="171450" indent="-171450" algn="l" defTabSz="685800" rtl="0" eaLnBrk="1" latinLnBrk="0" hangingPunct="1">
-              <a:lnSpc>
-                <a:spcPct val="90000"/>
-              </a:lnSpc>
-              <a:spcBef>
-                <a:spcPts val="750"/>
-              </a:spcBef>
-              <a:buFont typeface="Arial" panose="020B0604020202020204" pitchFamily="34" charset="0"/>
-              <a:buChar char="•"/>
-              <a:defRPr sz="2700" kern="1200">
-                <a:solidFill>
-                  <a:schemeClr val="tx1"/>
-                </a:solidFill>
-                <a:latin typeface="+mn-lt"/>
-                <a:ea typeface="+mn-ea"/>
-                <a:cs typeface="+mn-cs"/>
-              </a:defRPr>
-            </a:lvl1pPr>
-            <a:lvl2pPr marL="514350" indent="-171450" algn="l" defTabSz="685800" rtl="0" eaLnBrk="1" latinLnBrk="0" hangingPunct="1">
-              <a:lnSpc>
-                <a:spcPct val="90000"/>
-              </a:lnSpc>
-              <a:spcBef>
-                <a:spcPts val="375"/>
-              </a:spcBef>
-              <a:buFont typeface="Arial" panose="020B0604020202020204" pitchFamily="34" charset="0"/>
-              <a:buChar char="•"/>
-              <a:defRPr sz="2400" kern="1200">
-                <a:solidFill>
-                  <a:schemeClr val="tx1"/>
-                </a:solidFill>
-                <a:latin typeface="+mn-lt"/>
-                <a:ea typeface="+mn-ea"/>
-                <a:cs typeface="+mn-cs"/>
-              </a:defRPr>
-            </a:lvl2pPr>
-            <a:lvl3pPr marL="857250" indent="-171450" algn="l" defTabSz="685800" rtl="0" eaLnBrk="1" latinLnBrk="0" hangingPunct="1">
-              <a:lnSpc>
-                <a:spcPct val="90000"/>
-              </a:lnSpc>
-              <a:spcBef>
-                <a:spcPts val="375"/>
-              </a:spcBef>
-              <a:buFont typeface="Arial" panose="020B0604020202020204" pitchFamily="34" charset="0"/>
-              <a:buChar char="•"/>
-              <a:defRPr sz="2100" kern="1200">
-                <a:solidFill>
-                  <a:schemeClr val="tx1"/>
-                </a:solidFill>
-                <a:latin typeface="+mn-lt"/>
-                <a:ea typeface="+mn-ea"/>
-                <a:cs typeface="+mn-cs"/>
-              </a:defRPr>
-            </a:lvl3pPr>
-            <a:lvl4pPr marL="1200150" indent="-171450" algn="l" defTabSz="685800" rtl="0" eaLnBrk="1" latinLnBrk="0" hangingPunct="1">
-              <a:lnSpc>
-                <a:spcPct val="90000"/>
-              </a:lnSpc>
-              <a:spcBef>
-                <a:spcPts val="375"/>
-              </a:spcBef>
-              <a:buFont typeface="Arial" panose="020B0604020202020204" pitchFamily="34" charset="0"/>
-              <a:buChar char="•"/>
-              <a:defRPr sz="1800" kern="1200">
-                <a:solidFill>
-                  <a:schemeClr val="tx1"/>
-                </a:solidFill>
-                <a:latin typeface="+mn-lt"/>
-                <a:ea typeface="+mn-ea"/>
-                <a:cs typeface="+mn-cs"/>
-              </a:defRPr>
-            </a:lvl4pPr>
-            <a:lvl5pPr marL="1543050" indent="-171450" algn="l" defTabSz="685800" rtl="0" eaLnBrk="1" latinLnBrk="0" hangingPunct="1">
-              <a:lnSpc>
-                <a:spcPct val="90000"/>
-              </a:lnSpc>
-              <a:spcBef>
-                <a:spcPts val="375"/>
-              </a:spcBef>
-              <a:buFont typeface="Arial" panose="020B0604020202020204" pitchFamily="34" charset="0"/>
-              <a:buChar char="•"/>
-              <a:defRPr sz="1800" kern="1200">
-                <a:solidFill>
-                  <a:schemeClr val="tx1"/>
-                </a:solidFill>
-                <a:latin typeface="+mn-lt"/>
-                <a:ea typeface="+mn-ea"/>
-                <a:cs typeface="+mn-cs"/>
-              </a:defRPr>
-            </a:lvl5pPr>
-            <a:lvl6pPr marL="1885950" indent="-171450" algn="l" defTabSz="685800" rtl="0" eaLnBrk="1" latinLnBrk="0" hangingPunct="1">
-              <a:lnSpc>
-                <a:spcPct val="90000"/>
-              </a:lnSpc>
-              <a:spcBef>
-                <a:spcPts val="375"/>
-              </a:spcBef>
-              <a:buFont typeface="Arial" panose="020B0604020202020204" pitchFamily="34" charset="0"/>
-              <a:buChar char="•"/>
-              <a:defRPr sz="1350" kern="1200">
-                <a:solidFill>
-                  <a:schemeClr val="tx1"/>
-                </a:solidFill>
-                <a:latin typeface="+mn-lt"/>
-                <a:ea typeface="+mn-ea"/>
-                <a:cs typeface="+mn-cs"/>
-              </a:defRPr>
-            </a:lvl6pPr>
-            <a:lvl7pPr marL="2228850" indent="-171450" algn="l" defTabSz="685800" rtl="0" eaLnBrk="1" latinLnBrk="0" hangingPunct="1">
-              <a:lnSpc>
-                <a:spcPct val="90000"/>
-              </a:lnSpc>
-              <a:spcBef>
-                <a:spcPts val="375"/>
-              </a:spcBef>
-              <a:buFont typeface="Arial" panose="020B0604020202020204" pitchFamily="34" charset="0"/>
-              <a:buChar char="•"/>
-              <a:defRPr sz="1350" kern="1200">
-                <a:solidFill>
-                  <a:schemeClr val="tx1"/>
-                </a:solidFill>
-                <a:latin typeface="+mn-lt"/>
-                <a:ea typeface="+mn-ea"/>
-                <a:cs typeface="+mn-cs"/>
-              </a:defRPr>
-            </a:lvl7pPr>
-            <a:lvl8pPr marL="2571750" indent="-171450" algn="l" defTabSz="685800" rtl="0" eaLnBrk="1" latinLnBrk="0" hangingPunct="1">
-              <a:lnSpc>
-                <a:spcPct val="90000"/>
-              </a:lnSpc>
-              <a:spcBef>
-                <a:spcPts val="375"/>
-              </a:spcBef>
-              <a:buFont typeface="Arial" panose="020B0604020202020204" pitchFamily="34" charset="0"/>
-              <a:buChar char="•"/>
-              <a:defRPr sz="1350" kern="1200">
-                <a:solidFill>
-                  <a:schemeClr val="tx1"/>
-                </a:solidFill>
-                <a:latin typeface="+mn-lt"/>
-                <a:ea typeface="+mn-ea"/>
-                <a:cs typeface="+mn-cs"/>
-              </a:defRPr>
-            </a:lvl8pPr>
-            <a:lvl9pPr marL="2914650" indent="-171450" algn="l" defTabSz="685800" rtl="0" eaLnBrk="1" latinLnBrk="0" hangingPunct="1">
-              <a:lnSpc>
-                <a:spcPct val="90000"/>
-              </a:lnSpc>
-              <a:spcBef>
-                <a:spcPts val="375"/>
-              </a:spcBef>
-              <a:buFont typeface="Arial" panose="020B0604020202020204" pitchFamily="34" charset="0"/>
-              <a:buChar char="•"/>
-              <a:defRPr sz="1350" kern="1200">
-                <a:solidFill>
-                  <a:schemeClr val="tx1"/>
-                </a:solidFill>
-                <a:latin typeface="+mn-lt"/>
-                <a:ea typeface="+mn-ea"/>
-                <a:cs typeface="+mn-cs"/>
-              </a:defRPr>
-            </a:lvl9pPr>
-          </a:lstStyle>
-          <a:p>
-            <a:r>
-              <a:rPr lang="en-US" sz="2100" dirty="0">
-                <a:latin typeface="Calibri" panose="020F0502020204030204" pitchFamily="34" charset="0"/>
-                <a:ea typeface="Calibri" panose="020F0502020204030204" pitchFamily="34" charset="0"/>
-                <a:cs typeface="Times New Roman" panose="02020603050405020304" pitchFamily="18" charset="0"/>
-              </a:rPr>
-              <a:t>Data snapshot</a:t>
-            </a:r>
-            <a:endParaRPr lang="en-US" sz="1500" dirty="0">
-              <a:latin typeface="Calibri" panose="020F0502020204030204" pitchFamily="34" charset="0"/>
-              <a:ea typeface="Calibri" panose="020F0502020204030204" pitchFamily="34" charset="0"/>
-              <a:cs typeface="Times New Roman" panose="02020603050405020304" pitchFamily="18" charset="0"/>
-            </a:endParaRPr>
-          </a:p>
-          <a:p>
-            <a:pPr lvl="1"/>
-            <a:r>
-              <a:rPr lang="en-US" sz="1500" dirty="0">
-                <a:latin typeface="Calibri" panose="020F0502020204030204" pitchFamily="34" charset="0"/>
-                <a:ea typeface="Calibri" panose="020F0502020204030204" pitchFamily="34" charset="0"/>
-                <a:cs typeface="Times New Roman" panose="02020603050405020304" pitchFamily="18" charset="0"/>
-              </a:rPr>
-              <a:t>Data components – API references below</a:t>
-            </a:r>
-          </a:p>
-          <a:p>
-            <a:pPr lvl="1"/>
-            <a:r>
-              <a:rPr lang="en-US" sz="1500" dirty="0">
-                <a:latin typeface="Calibri" panose="020F0502020204030204" pitchFamily="34" charset="0"/>
-                <a:ea typeface="Calibri" panose="020F0502020204030204" pitchFamily="34" charset="0"/>
-                <a:cs typeface="Times New Roman" panose="02020603050405020304" pitchFamily="18" charset="0"/>
-              </a:rPr>
-              <a:t>Database used - MySQL, </a:t>
-            </a:r>
-          </a:p>
-          <a:p>
-            <a:pPr lvl="1"/>
-            <a:r>
-              <a:rPr lang="en-US" sz="1500" dirty="0">
-                <a:latin typeface="Calibri" panose="020F0502020204030204" pitchFamily="34" charset="0"/>
-                <a:ea typeface="Calibri" panose="020F0502020204030204" pitchFamily="34" charset="0"/>
-                <a:cs typeface="Times New Roman" panose="02020603050405020304" pitchFamily="18" charset="0"/>
-              </a:rPr>
-              <a:t>API creation</a:t>
-            </a:r>
-          </a:p>
-        </p:txBody>
-      </p:sp>
-    </p:spTree>
-    <p:extLst>
-      <p:ext uri="{BB962C8B-B14F-4D97-AF65-F5344CB8AC3E}">
-        <p14:creationId xmlns:p14="http://schemas.microsoft.com/office/powerpoint/2010/main" val="932189157"/>
-      </p:ext>
-    </p:extLst>
-  </p:cSld>
-  <p:clrMapOvr>
-    <a:masterClrMapping/>
-  </p:clrMapOvr>
-</p:sld>
-</file>
-
-<file path=ppt/slides/slide5.xml><?xml version="1.0" encoding="utf-8"?>
-<p:sld xmlns:a="http://schemas.openxmlformats.org/drawingml/2006/main" xmlns:r="http://schemas.openxmlformats.org/officeDocument/2006/relationships" xmlns:p="http://schemas.openxmlformats.org/presentationml/2006/main">
-  <p:cSld>
-    <p:spTree>
-      <p:nvGrpSpPr>
-        <p:cNvPr id="1" name=""/>
-        <p:cNvGrpSpPr/>
-        <p:nvPr/>
-      </p:nvGrpSpPr>
-      <p:grpSpPr>
-        <a:xfrm>
-          <a:off x="0" y="0"/>
-          <a:ext cx="0" cy="0"/>
-          <a:chOff x="0" y="0"/>
-          <a:chExt cx="0" cy="0"/>
-        </a:xfrm>
-      </p:grpSpPr>
-      <p:sp>
-        <p:nvSpPr>
-          <p:cNvPr id="6" name="Title 5"/>
-          <p:cNvSpPr>
-            <a:spLocks noGrp="1"/>
-          </p:cNvSpPr>
-          <p:nvPr>
-            <p:ph type="title"/>
-          </p:nvPr>
-        </p:nvSpPr>
-        <p:spPr>
-          <a:xfrm>
-            <a:off x="5607170" y="1709742"/>
-            <a:ext cx="5740281" cy="809172"/>
-          </a:xfrm>
-        </p:spPr>
-        <p:txBody>
-          <a:bodyPr/>
-          <a:lstStyle/>
-          <a:p>
-            <a:r>
-              <a:rPr lang="en-US" dirty="0"/>
-              <a:t>Interactive World Map</a:t>
-            </a:r>
-          </a:p>
-        </p:txBody>
-      </p:sp>
-      <p:sp>
-        <p:nvSpPr>
-          <p:cNvPr id="7" name="Text Placeholder 6"/>
-          <p:cNvSpPr>
-            <a:spLocks noGrp="1"/>
-          </p:cNvSpPr>
-          <p:nvPr>
-            <p:ph type="body" idx="1"/>
-          </p:nvPr>
-        </p:nvSpPr>
-        <p:spPr>
-          <a:xfrm>
-            <a:off x="5727940" y="2588328"/>
-            <a:ext cx="5334839" cy="1500187"/>
-          </a:xfrm>
-        </p:spPr>
-        <p:txBody>
-          <a:bodyPr/>
-          <a:lstStyle/>
-          <a:p>
-            <a:pPr algn="l"/>
-            <a:r>
-              <a:rPr lang="en-US" dirty="0">
-                <a:solidFill>
-                  <a:schemeClr val="tx1">
-                    <a:lumMod val="85000"/>
-                    <a:lumOff val="15000"/>
-                  </a:schemeClr>
-                </a:solidFill>
-              </a:rPr>
-              <a:t>Select the season to see winning team’s birth city for every player on the roster!</a:t>
-            </a:r>
-          </a:p>
-        </p:txBody>
-      </p:sp>
-      <p:pic>
-        <p:nvPicPr>
-          <p:cNvPr id="8" name="Picture 7"/>
-          <p:cNvPicPr>
-            <a:picLocks noChangeAspect="1"/>
-          </p:cNvPicPr>
-          <p:nvPr/>
-        </p:nvPicPr>
-        <p:blipFill>
-          <a:blip r:embed="rId3">
-            <a:extLst>
-              <a:ext uri="{28A0092B-C50C-407E-A947-70E740481C1C}">
-                <a14:useLocalDpi xmlns:a14="http://schemas.microsoft.com/office/drawing/2010/main" val="0"/>
-              </a:ext>
-            </a:extLst>
-          </a:blip>
-          <a:stretch>
-            <a:fillRect/>
-          </a:stretch>
-        </p:blipFill>
-        <p:spPr>
-          <a:xfrm>
-            <a:off x="1742674" y="3338422"/>
-            <a:ext cx="3192062" cy="3519578"/>
-          </a:xfrm>
-          <a:prstGeom prst="rect">
-            <a:avLst/>
-          </a:prstGeom>
-        </p:spPr>
-      </p:pic>
-      <p:sp>
-        <p:nvSpPr>
-          <p:cNvPr id="2" name="TextBox 1">
-            <a:extLst>
-              <a:ext uri="{FF2B5EF4-FFF2-40B4-BE49-F238E27FC236}">
-                <a16:creationId xmlns:a16="http://schemas.microsoft.com/office/drawing/2014/main" id="{FE16F339-54A5-AB11-E347-029DEB346F29}"/>
-              </a:ext>
-            </a:extLst>
-          </p:cNvPr>
-          <p:cNvSpPr txBox="1"/>
-          <p:nvPr/>
-        </p:nvSpPr>
-        <p:spPr>
-          <a:xfrm>
-            <a:off x="0" y="6550223"/>
-            <a:ext cx="2657012" cy="307777"/>
-          </a:xfrm>
-          <a:prstGeom prst="rect">
-            <a:avLst/>
-          </a:prstGeom>
-          <a:noFill/>
-        </p:spPr>
-        <p:txBody>
-          <a:bodyPr wrap="square">
-            <a:spAutoFit/>
-          </a:bodyPr>
-          <a:lstStyle/>
-          <a:p>
-            <a:r>
-              <a:rPr lang="en-US" sz="1400" dirty="0"/>
-              <a:t>© Copyright Showeet.com</a:t>
-            </a:r>
-          </a:p>
-        </p:txBody>
-      </p:sp>
-    </p:spTree>
-    <p:extLst>
-      <p:ext uri="{BB962C8B-B14F-4D97-AF65-F5344CB8AC3E}">
-        <p14:creationId xmlns:p14="http://schemas.microsoft.com/office/powerpoint/2010/main" val="1560392352"/>
-      </p:ext>
-    </p:extLst>
-  </p:cSld>
-  <p:clrMapOvr>
-    <a:masterClrMapping/>
-  </p:clrMapOvr>
-</p:sld>
-</file>
-
-<file path=ppt/slides/slide6.xml><?xml version="1.0" encoding="utf-8"?>
-<p:sld xmlns:a="http://schemas.openxmlformats.org/drawingml/2006/main" xmlns:r="http://schemas.openxmlformats.org/officeDocument/2006/relationships" xmlns:p="http://schemas.openxmlformats.org/presentationml/2006/main">
-  <p:cSld>
-    <p:spTree>
-      <p:nvGrpSpPr>
-        <p:cNvPr id="1" name=""/>
-        <p:cNvGrpSpPr/>
-        <p:nvPr/>
-      </p:nvGrpSpPr>
-      <p:grpSpPr>
-        <a:xfrm>
-          <a:off x="0" y="0"/>
-          <a:ext cx="0" cy="0"/>
-          <a:chOff x="0" y="0"/>
-          <a:chExt cx="0" cy="0"/>
-        </a:xfrm>
-      </p:grpSpPr>
-      <p:sp>
-        <p:nvSpPr>
-          <p:cNvPr id="4" name="Title 3"/>
-          <p:cNvSpPr>
-            <a:spLocks noGrp="1"/>
-          </p:cNvSpPr>
-          <p:nvPr>
-            <p:ph type="title"/>
-          </p:nvPr>
-        </p:nvSpPr>
-        <p:spPr/>
-        <p:txBody>
-          <a:bodyPr/>
-          <a:lstStyle/>
-          <a:p>
-            <a:r>
-              <a:rPr lang="en-US" dirty="0" err="1"/>
-              <a:t>Dfss</a:t>
-            </a:r>
-            <a:r>
-              <a:rPr lang="en-US" dirty="0"/>
-              <a:t>:</a:t>
-            </a:r>
-          </a:p>
-        </p:txBody>
-      </p:sp>
-      <p:sp>
-        <p:nvSpPr>
-          <p:cNvPr id="5" name="Content Placeholder 4"/>
-          <p:cNvSpPr>
-            <a:spLocks noGrp="1"/>
-          </p:cNvSpPr>
-          <p:nvPr>
-            <p:ph idx="1"/>
-          </p:nvPr>
-        </p:nvSpPr>
-        <p:spPr>
-          <a:xfrm>
-            <a:off x="838200" y="1825625"/>
-            <a:ext cx="5381445" cy="4351338"/>
-          </a:xfrm>
-        </p:spPr>
-        <p:txBody>
-          <a:bodyPr>
-            <a:normAutofit/>
-          </a:bodyPr>
-          <a:lstStyle/>
-          <a:p>
-            <a:r>
-              <a:rPr lang="en-US" sz="1800" dirty="0">
-                <a:effectLst/>
-                <a:latin typeface="Calibri" panose="020F0502020204030204" pitchFamily="34" charset="0"/>
-                <a:ea typeface="Calibri" panose="020F0502020204030204" pitchFamily="34" charset="0"/>
-                <a:cs typeface="Times New Roman" panose="02020603050405020304" pitchFamily="18" charset="0"/>
-              </a:rPr>
-              <a:t>a</a:t>
-            </a:r>
-            <a:endParaRPr lang="en-US" dirty="0"/>
-          </a:p>
-        </p:txBody>
-      </p:sp>
-    </p:spTree>
-    <p:extLst>
-      <p:ext uri="{BB962C8B-B14F-4D97-AF65-F5344CB8AC3E}">
-        <p14:creationId xmlns:p14="http://schemas.microsoft.com/office/powerpoint/2010/main" val="2937239177"/>
-      </p:ext>
-    </p:extLst>
-  </p:cSld>
-  <p:clrMapOvr>
-    <a:masterClrMapping/>
-  </p:clrMapOvr>
-</p:sld>
-</file>
-
-<file path=ppt/slides/slide7.xml><?xml version="1.0" encoding="utf-8"?>
-<p:sld xmlns:a="http://schemas.openxmlformats.org/drawingml/2006/main" xmlns:r="http://schemas.openxmlformats.org/officeDocument/2006/relationships" xmlns:p="http://schemas.openxmlformats.org/presentationml/2006/main">
-  <p:cSld>
-    <p:spTree>
-      <p:nvGrpSpPr>
-        <p:cNvPr id="1" name=""/>
-        <p:cNvGrpSpPr/>
-        <p:nvPr/>
-      </p:nvGrpSpPr>
-      <p:grpSpPr>
-        <a:xfrm>
-          <a:off x="0" y="0"/>
-          <a:ext cx="0" cy="0"/>
-          <a:chOff x="0" y="0"/>
-          <a:chExt cx="0" cy="0"/>
-        </a:xfrm>
-      </p:grpSpPr>
-      <p:sp>
-        <p:nvSpPr>
-          <p:cNvPr id="6" name="Title 5"/>
-          <p:cNvSpPr>
-            <a:spLocks noGrp="1"/>
-          </p:cNvSpPr>
-          <p:nvPr>
-            <p:ph type="title"/>
-          </p:nvPr>
-        </p:nvSpPr>
-        <p:spPr>
-          <a:xfrm>
-            <a:off x="5538158" y="1709742"/>
-            <a:ext cx="6124755" cy="809172"/>
-          </a:xfrm>
-        </p:spPr>
-        <p:txBody>
-          <a:bodyPr>
-            <a:normAutofit/>
-          </a:bodyPr>
-          <a:lstStyle/>
-          <a:p>
-            <a:pPr algn="l"/>
-            <a:r>
-              <a:rPr lang="en-US" dirty="0"/>
-              <a:t>Team comparison</a:t>
-            </a:r>
-          </a:p>
-        </p:txBody>
-      </p:sp>
-      <p:sp>
-        <p:nvSpPr>
-          <p:cNvPr id="7" name="Text Placeholder 6"/>
-          <p:cNvSpPr>
-            <a:spLocks noGrp="1"/>
-          </p:cNvSpPr>
-          <p:nvPr>
-            <p:ph type="body" idx="1"/>
-          </p:nvPr>
-        </p:nvSpPr>
-        <p:spPr>
-          <a:xfrm>
-            <a:off x="5607170" y="2588328"/>
-            <a:ext cx="5455609" cy="1500187"/>
-          </a:xfrm>
-        </p:spPr>
-        <p:txBody>
-          <a:bodyPr/>
-          <a:lstStyle/>
-          <a:p>
-            <a:pPr algn="l"/>
-            <a:r>
-              <a:rPr lang="en-US" dirty="0">
-                <a:solidFill>
-                  <a:schemeClr val="tx1">
-                    <a:lumMod val="85000"/>
-                    <a:lumOff val="15000"/>
-                  </a:schemeClr>
-                </a:solidFill>
-              </a:rPr>
-              <a:t>Select the season to see winning team’s statistics vs the overall team averages for that same season!</a:t>
-            </a:r>
-          </a:p>
-          <a:p>
-            <a:pPr algn="l"/>
-            <a:endParaRPr lang="en-US" dirty="0"/>
-          </a:p>
-        </p:txBody>
-      </p:sp>
-      <p:pic>
-        <p:nvPicPr>
-          <p:cNvPr id="8" name="Picture 7"/>
-          <p:cNvPicPr>
-            <a:picLocks noChangeAspect="1"/>
-          </p:cNvPicPr>
-          <p:nvPr/>
-        </p:nvPicPr>
-        <p:blipFill>
-          <a:blip r:embed="rId3">
-            <a:extLst>
-              <a:ext uri="{28A0092B-C50C-407E-A947-70E740481C1C}">
-                <a14:useLocalDpi xmlns:a14="http://schemas.microsoft.com/office/drawing/2010/main" val="0"/>
-              </a:ext>
-            </a:extLst>
-          </a:blip>
-          <a:stretch>
-            <a:fillRect/>
-          </a:stretch>
-        </p:blipFill>
-        <p:spPr>
-          <a:xfrm>
-            <a:off x="1742674" y="3338422"/>
-            <a:ext cx="3192062" cy="3519578"/>
-          </a:xfrm>
-          <a:prstGeom prst="rect">
-            <a:avLst/>
-          </a:prstGeom>
-        </p:spPr>
-      </p:pic>
-      <p:sp>
-        <p:nvSpPr>
-          <p:cNvPr id="2" name="TextBox 1">
-            <a:extLst>
-              <a:ext uri="{FF2B5EF4-FFF2-40B4-BE49-F238E27FC236}">
                 <a16:creationId xmlns:a16="http://schemas.microsoft.com/office/drawing/2014/main" id="{2B390EE5-357B-D782-BA22-63AAB8390B9B}"/>
               </a:ext>
             </a:extLst>
@@ -14607,7 +14193,7 @@
 </p:sld>
 </file>
 
-<file path=ppt/slides/slide8.xml><?xml version="1.0" encoding="utf-8"?>
+<file path=ppt/slides/slide9.xml><?xml version="1.0" encoding="utf-8"?>
 <p:sld xmlns:a="http://schemas.openxmlformats.org/drawingml/2006/main" xmlns:r="http://schemas.openxmlformats.org/officeDocument/2006/relationships" xmlns:p="http://schemas.openxmlformats.org/presentationml/2006/main">
   <p:cSld>
     <p:spTree>
@@ -14658,166 +14244,6 @@
     <p:extLst>
       <p:ext uri="{BB962C8B-B14F-4D97-AF65-F5344CB8AC3E}">
         <p14:creationId xmlns:p14="http://schemas.microsoft.com/office/powerpoint/2010/main" val="3596459359"/>
-      </p:ext>
-    </p:extLst>
-  </p:cSld>
-  <p:clrMapOvr>
-    <a:masterClrMapping/>
-  </p:clrMapOvr>
-</p:sld>
-</file>
-
-<file path=ppt/slides/slide9.xml><?xml version="1.0" encoding="utf-8"?>
-<p:sld xmlns:a="http://schemas.openxmlformats.org/drawingml/2006/main" xmlns:r="http://schemas.openxmlformats.org/officeDocument/2006/relationships" xmlns:p="http://schemas.openxmlformats.org/presentationml/2006/main">
-  <p:cSld>
-    <p:spTree>
-      <p:nvGrpSpPr>
-        <p:cNvPr id="1" name=""/>
-        <p:cNvGrpSpPr/>
-        <p:nvPr/>
-      </p:nvGrpSpPr>
-      <p:grpSpPr>
-        <a:xfrm>
-          <a:off x="0" y="0"/>
-          <a:ext cx="0" cy="0"/>
-          <a:chOff x="0" y="0"/>
-          <a:chExt cx="0" cy="0"/>
-        </a:xfrm>
-      </p:grpSpPr>
-      <p:sp>
-        <p:nvSpPr>
-          <p:cNvPr id="6" name="Title 5"/>
-          <p:cNvSpPr>
-            <a:spLocks noGrp="1"/>
-          </p:cNvSpPr>
-          <p:nvPr>
-            <p:ph type="title"/>
-          </p:nvPr>
-        </p:nvSpPr>
-        <p:spPr>
-          <a:xfrm>
-            <a:off x="5607170" y="1709742"/>
-            <a:ext cx="6271404" cy="809172"/>
-          </a:xfrm>
-        </p:spPr>
-        <p:txBody>
-          <a:bodyPr>
-            <a:normAutofit fontScale="90000"/>
-          </a:bodyPr>
-          <a:lstStyle/>
-          <a:p>
-            <a:pPr algn="l"/>
-            <a:r>
-              <a:rPr lang="en-US" dirty="0"/>
-              <a:t>Stanley Cup winning team</a:t>
-            </a:r>
-          </a:p>
-        </p:txBody>
-      </p:sp>
-      <p:sp>
-        <p:nvSpPr>
-          <p:cNvPr id="7" name="Text Placeholder 6"/>
-          <p:cNvSpPr>
-            <a:spLocks noGrp="1"/>
-          </p:cNvSpPr>
-          <p:nvPr>
-            <p:ph type="body" idx="1"/>
-          </p:nvPr>
-        </p:nvSpPr>
-        <p:spPr>
-          <a:xfrm>
-            <a:off x="5607170" y="2588328"/>
-            <a:ext cx="5455609" cy="1500187"/>
-          </a:xfrm>
-        </p:spPr>
-        <p:txBody>
-          <a:bodyPr/>
-          <a:lstStyle/>
-          <a:p>
-            <a:pPr algn="l"/>
-            <a:r>
-              <a:rPr lang="en-US" dirty="0">
-                <a:solidFill>
-                  <a:schemeClr val="tx1">
-                    <a:lumMod val="85000"/>
-                    <a:lumOff val="15000"/>
-                  </a:schemeClr>
-                </a:solidFill>
-              </a:rPr>
-              <a:t>Select the season and see statistics specifically on the Stanley Cup winning team’s performance!</a:t>
-            </a:r>
-          </a:p>
-        </p:txBody>
-      </p:sp>
-      <p:pic>
-        <p:nvPicPr>
-          <p:cNvPr id="8" name="Picture 7"/>
-          <p:cNvPicPr>
-            <a:picLocks noChangeAspect="1"/>
-          </p:cNvPicPr>
-          <p:nvPr/>
-        </p:nvPicPr>
-        <p:blipFill>
-          <a:blip r:embed="rId3">
-            <a:extLst>
-              <a:ext uri="{28A0092B-C50C-407E-A947-70E740481C1C}">
-                <a14:useLocalDpi xmlns:a14="http://schemas.microsoft.com/office/drawing/2010/main" val="0"/>
-              </a:ext>
-            </a:extLst>
-          </a:blip>
-          <a:stretch>
-            <a:fillRect/>
-          </a:stretch>
-        </p:blipFill>
-        <p:spPr>
-          <a:xfrm>
-            <a:off x="1742674" y="3338422"/>
-            <a:ext cx="3192062" cy="3519578"/>
-          </a:xfrm>
-          <a:prstGeom prst="rect">
-            <a:avLst/>
-          </a:prstGeom>
-        </p:spPr>
-      </p:pic>
-      <p:sp>
-        <p:nvSpPr>
-          <p:cNvPr id="2" name="TextBox 1">
-            <a:extLst>
-              <a:ext uri="{FF2B5EF4-FFF2-40B4-BE49-F238E27FC236}">
-                <a16:creationId xmlns:a16="http://schemas.microsoft.com/office/drawing/2014/main" id="{6BF1AAEA-4564-FCA6-C2F1-06BAFFCD3692}"/>
-              </a:ext>
-            </a:extLst>
-          </p:cNvPr>
-          <p:cNvSpPr txBox="1"/>
-          <p:nvPr/>
-        </p:nvSpPr>
-        <p:spPr>
-          <a:xfrm>
-            <a:off x="0" y="6550223"/>
-            <a:ext cx="2657012" cy="307777"/>
-          </a:xfrm>
-          <a:prstGeom prst="rect">
-            <a:avLst/>
-          </a:prstGeom>
-          <a:noFill/>
-        </p:spPr>
-        <p:txBody>
-          <a:bodyPr wrap="square">
-            <a:spAutoFit/>
-          </a:bodyPr>
-          <a:lstStyle/>
-          <a:p>
-            <a:r>
-              <a:rPr lang="en-US" sz="1400" dirty="0"/>
-              <a:t>© Copyright Showeet.com</a:t>
-            </a:r>
-          </a:p>
-        </p:txBody>
-      </p:sp>
-    </p:spTree>
-    <p:extLst>
-      <p:ext uri="{BB962C8B-B14F-4D97-AF65-F5344CB8AC3E}">
-        <p14:creationId xmlns:p14="http://schemas.microsoft.com/office/powerpoint/2010/main" val="1414535434"/>
       </p:ext>
     </p:extLst>
   </p:cSld>
@@ -15418,21 +14844,21 @@
 </file>
 
 <file path=customXml/item1.xml><?xml version="1.0" encoding="utf-8"?>
+<?mso-contentType ?>
+<FormTemplates xmlns="http://schemas.microsoft.com/sharepoint/v3/contenttype/forms">
+  <Display>DocumentLibraryForm</Display>
+  <Edit>DocumentLibraryForm</Edit>
+  <New>DocumentLibraryForm</New>
+</FormTemplates>
+</file>
+
+<file path=customXml/item2.xml><?xml version="1.0" encoding="utf-8"?>
 <p:properties xmlns:p="http://schemas.microsoft.com/office/2006/metadata/properties" xmlns:xsi="http://www.w3.org/2001/XMLSchema-instance" xmlns:pc="http://schemas.microsoft.com/office/infopath/2007/PartnerControls">
   <documentManagement>
     <Status xmlns="71af3243-3dd4-4a8d-8c0d-dd76da1f02a5">Not started</Status>
     <MediaServiceKeyPoints xmlns="71af3243-3dd4-4a8d-8c0d-dd76da1f02a5" xsi:nil="true"/>
   </documentManagement>
 </p:properties>
-</file>
-
-<file path=customXml/item2.xml><?xml version="1.0" encoding="utf-8"?>
-<?mso-contentType ?>
-<FormTemplates xmlns="http://schemas.microsoft.com/sharepoint/v3/contenttype/forms">
-  <Display>DocumentLibraryForm</Display>
-  <Edit>DocumentLibraryForm</Edit>
-  <New>DocumentLibraryForm</New>
-</FormTemplates>
 </file>
 
 <file path=customXml/item3.xml><?xml version="1.0" encoding="utf-8"?>
@@ -15657,19 +15083,19 @@
 </file>
 
 <file path=customXml/itemProps1.xml><?xml version="1.0" encoding="utf-8"?>
+<ds:datastoreItem xmlns:ds="http://schemas.openxmlformats.org/officeDocument/2006/customXml" ds:itemID="{3C8E00D1-8EA3-4E42-801D-0253E1EAFC21}">
+  <ds:schemaRefs>
+    <ds:schemaRef ds:uri="http://schemas.microsoft.com/sharepoint/v3/contenttype/forms"/>
+  </ds:schemaRefs>
+</ds:datastoreItem>
+</file>
+
+<file path=customXml/itemProps2.xml><?xml version="1.0" encoding="utf-8"?>
 <ds:datastoreItem xmlns:ds="http://schemas.openxmlformats.org/officeDocument/2006/customXml" ds:itemID="{99919F73-B6C2-4A43-95E2-833EC48925FE}">
   <ds:schemaRefs>
     <ds:schemaRef ds:uri="http://schemas.microsoft.com/office/2006/metadata/properties"/>
     <ds:schemaRef ds:uri="http://schemas.microsoft.com/office/infopath/2007/PartnerControls"/>
     <ds:schemaRef ds:uri="71af3243-3dd4-4a8d-8c0d-dd76da1f02a5"/>
-  </ds:schemaRefs>
-</ds:datastoreItem>
-</file>
-
-<file path=customXml/itemProps2.xml><?xml version="1.0" encoding="utf-8"?>
-<ds:datastoreItem xmlns:ds="http://schemas.openxmlformats.org/officeDocument/2006/customXml" ds:itemID="{3C8E00D1-8EA3-4E42-801D-0253E1EAFC21}">
-  <ds:schemaRefs>
-    <ds:schemaRef ds:uri="http://schemas.microsoft.com/sharepoint/v3/contenttype/forms"/>
   </ds:schemaRefs>
 </ds:datastoreItem>
 </file>

--- a/project-sports-analytics-nhl2.0v2.pptx
+++ b/project-sports-analytics-nhl2.0v2.pptx
@@ -5,7 +5,7 @@
     <p:sldMasterId id="2147483718" r:id="rId4"/>
   </p:sldMasterIdLst>
   <p:notesMasterIdLst>
-    <p:notesMasterId r:id="rId16"/>
+    <p:notesMasterId r:id="rId17"/>
   </p:notesMasterIdLst>
   <p:sldIdLst>
     <p:sldId id="1029" r:id="rId5"/>
@@ -13,12 +13,13 @@
     <p:sldId id="1034" r:id="rId7"/>
     <p:sldId id="1038" r:id="rId8"/>
     <p:sldId id="1043" r:id="rId9"/>
-    <p:sldId id="1036" r:id="rId10"/>
-    <p:sldId id="1041" r:id="rId11"/>
-    <p:sldId id="1035" r:id="rId12"/>
-    <p:sldId id="1040" r:id="rId13"/>
-    <p:sldId id="1037" r:id="rId14"/>
-    <p:sldId id="1042" r:id="rId15"/>
+    <p:sldId id="1044" r:id="rId10"/>
+    <p:sldId id="1036" r:id="rId11"/>
+    <p:sldId id="1041" r:id="rId12"/>
+    <p:sldId id="1035" r:id="rId13"/>
+    <p:sldId id="1040" r:id="rId14"/>
+    <p:sldId id="1037" r:id="rId15"/>
+    <p:sldId id="1042" r:id="rId16"/>
   </p:sldIdLst>
   <p:sldSz cx="12192000" cy="6858000"/>
   <p:notesSz cx="6858000" cy="9144000"/>
@@ -790,7 +791,7 @@
     </p:spTree>
     <p:extLst>
       <p:ext uri="{BB962C8B-B14F-4D97-AF65-F5344CB8AC3E}">
-        <p14:creationId xmlns:p14="http://schemas.microsoft.com/office/powerpoint/2010/main" val="3173752421"/>
+        <p14:creationId xmlns:p14="http://schemas.microsoft.com/office/powerpoint/2010/main" val="1460671575"/>
       </p:ext>
     </p:extLst>
   </p:cSld>
@@ -942,6 +943,158 @@
     </p:spTree>
     <p:extLst>
       <p:ext uri="{BB962C8B-B14F-4D97-AF65-F5344CB8AC3E}">
+        <p14:creationId xmlns:p14="http://schemas.microsoft.com/office/powerpoint/2010/main" val="3173752421"/>
+      </p:ext>
+    </p:extLst>
+  </p:cSld>
+  <p:clrMapOvr>
+    <a:masterClrMapping/>
+  </p:clrMapOvr>
+</p:notes>
+</file>
+
+<file path=ppt/notesSlides/notesSlide12.xml><?xml version="1.0" encoding="utf-8"?>
+<p:notes xmlns:a="http://schemas.openxmlformats.org/drawingml/2006/main" xmlns:r="http://schemas.openxmlformats.org/officeDocument/2006/relationships" xmlns:p="http://schemas.openxmlformats.org/presentationml/2006/main">
+  <p:cSld>
+    <p:spTree>
+      <p:nvGrpSpPr>
+        <p:cNvPr id="1" name=""/>
+        <p:cNvGrpSpPr/>
+        <p:nvPr/>
+      </p:nvGrpSpPr>
+      <p:grpSpPr>
+        <a:xfrm>
+          <a:off x="0" y="0"/>
+          <a:ext cx="0" cy="0"/>
+          <a:chOff x="0" y="0"/>
+          <a:chExt cx="0" cy="0"/>
+        </a:xfrm>
+      </p:grpSpPr>
+      <p:sp>
+        <p:nvSpPr>
+          <p:cNvPr id="2" name="Slide Image Placeholder 1"/>
+          <p:cNvSpPr>
+            <a:spLocks noGrp="1" noRot="1" noChangeAspect="1"/>
+          </p:cNvSpPr>
+          <p:nvPr>
+            <p:ph type="sldImg"/>
+          </p:nvPr>
+        </p:nvSpPr>
+        <p:spPr/>
+      </p:sp>
+      <p:sp>
+        <p:nvSpPr>
+          <p:cNvPr id="3" name="Notes Placeholder 2"/>
+          <p:cNvSpPr>
+            <a:spLocks noGrp="1"/>
+          </p:cNvSpPr>
+          <p:nvPr>
+            <p:ph type="body" idx="1"/>
+          </p:nvPr>
+        </p:nvSpPr>
+        <p:spPr/>
+        <p:txBody>
+          <a:bodyPr/>
+          <a:lstStyle/>
+          <a:p>
+            <a:r>
+              <a:rPr lang="en-US" sz="1200">
+                <a:solidFill>
+                  <a:prstClr val="black"/>
+                </a:solidFill>
+              </a:rPr>
+              <a:t>© Copyright Showeet.com – Free PowerPoint Templates</a:t>
+            </a:r>
+            <a:endParaRPr lang="en-US"/>
+          </a:p>
+        </p:txBody>
+      </p:sp>
+      <p:sp>
+        <p:nvSpPr>
+          <p:cNvPr id="4" name="Slide Number Placeholder 3"/>
+          <p:cNvSpPr>
+            <a:spLocks noGrp="1"/>
+          </p:cNvSpPr>
+          <p:nvPr>
+            <p:ph type="sldNum" sz="quarter" idx="10"/>
+          </p:nvPr>
+        </p:nvSpPr>
+        <p:spPr/>
+        <p:txBody>
+          <a:bodyPr/>
+          <a:lstStyle/>
+          <a:p>
+            <a:pPr marL="0" marR="0" lvl="0" indent="0" algn="r" defTabSz="914400" rtl="0" eaLnBrk="1" fontAlgn="auto" latinLnBrk="0" hangingPunct="1">
+              <a:lnSpc>
+                <a:spcPct val="100000"/>
+              </a:lnSpc>
+              <a:spcBef>
+                <a:spcPts val="0"/>
+              </a:spcBef>
+              <a:spcAft>
+                <a:spcPts val="0"/>
+              </a:spcAft>
+              <a:buClrTx/>
+              <a:buSzTx/>
+              <a:buFontTx/>
+              <a:buNone/>
+              <a:tabLst/>
+              <a:defRPr/>
+            </a:pPr>
+            <a:fld id="{46B9B405-4F4D-4594-A1A1-988AA5F62729}" type="slidenum">
+              <a:rPr kumimoji="0" lang="en-US" sz="1200" b="0" i="0" u="none" strike="noStrike" kern="1200" cap="none" spc="0" normalizeH="0" baseline="0" noProof="0" smtClean="0">
+                <a:ln>
+                  <a:noFill/>
+                </a:ln>
+                <a:solidFill>
+                  <a:prstClr val="black"/>
+                </a:solidFill>
+                <a:effectLst/>
+                <a:uLnTx/>
+                <a:uFillTx/>
+                <a:latin typeface="Calibri" panose="020F0502020204030204"/>
+                <a:ea typeface="+mn-ea"/>
+                <a:cs typeface="+mn-cs"/>
+              </a:rPr>
+              <a:pPr marL="0" marR="0" lvl="0" indent="0" algn="r" defTabSz="914400" rtl="0" eaLnBrk="1" fontAlgn="auto" latinLnBrk="0" hangingPunct="1">
+                <a:lnSpc>
+                  <a:spcPct val="100000"/>
+                </a:lnSpc>
+                <a:spcBef>
+                  <a:spcPts val="0"/>
+                </a:spcBef>
+                <a:spcAft>
+                  <a:spcPts val="0"/>
+                </a:spcAft>
+                <a:buClrTx/>
+                <a:buSzTx/>
+                <a:buFontTx/>
+                <a:buNone/>
+                <a:tabLst/>
+                <a:defRPr/>
+              </a:pPr>
+              <a:t>12</a:t>
+            </a:fld>
+            <a:endParaRPr kumimoji="0" lang="en-US" sz="1200" b="0" i="0" u="none" strike="noStrike" kern="1200" cap="none" spc="0" normalizeH="0" baseline="0" noProof="0">
+              <a:ln>
+                <a:noFill/>
+              </a:ln>
+              <a:solidFill>
+                <a:prstClr val="black"/>
+              </a:solidFill>
+              <a:effectLst/>
+              <a:uLnTx/>
+              <a:uFillTx/>
+              <a:latin typeface="Calibri" panose="020F0502020204030204"/>
+              <a:ea typeface="+mn-ea"/>
+              <a:cs typeface="+mn-cs"/>
+            </a:endParaRPr>
+          </a:p>
+        </p:txBody>
+      </p:sp>
+    </p:spTree>
+    <p:extLst>
+      <p:ext uri="{BB962C8B-B14F-4D97-AF65-F5344CB8AC3E}">
         <p14:creationId xmlns:p14="http://schemas.microsoft.com/office/powerpoint/2010/main" val="2200045495"/>
       </p:ext>
     </p:extLst>
@@ -1702,7 +1855,7 @@
     </p:spTree>
     <p:extLst>
       <p:ext uri="{BB962C8B-B14F-4D97-AF65-F5344CB8AC3E}">
-        <p14:creationId xmlns:p14="http://schemas.microsoft.com/office/powerpoint/2010/main" val="2583614402"/>
+        <p14:creationId xmlns:p14="http://schemas.microsoft.com/office/powerpoint/2010/main" val="1716797182"/>
       </p:ext>
     </p:extLst>
   </p:cSld>
@@ -1854,7 +2007,7 @@
     </p:spTree>
     <p:extLst>
       <p:ext uri="{BB962C8B-B14F-4D97-AF65-F5344CB8AC3E}">
-        <p14:creationId xmlns:p14="http://schemas.microsoft.com/office/powerpoint/2010/main" val="3987237274"/>
+        <p14:creationId xmlns:p14="http://schemas.microsoft.com/office/powerpoint/2010/main" val="2583614402"/>
       </p:ext>
     </p:extLst>
   </p:cSld>
@@ -2006,7 +2159,7 @@
     </p:spTree>
     <p:extLst>
       <p:ext uri="{BB962C8B-B14F-4D97-AF65-F5344CB8AC3E}">
-        <p14:creationId xmlns:p14="http://schemas.microsoft.com/office/powerpoint/2010/main" val="2908112611"/>
+        <p14:creationId xmlns:p14="http://schemas.microsoft.com/office/powerpoint/2010/main" val="3987237274"/>
       </p:ext>
     </p:extLst>
   </p:cSld>
@@ -2158,7 +2311,7 @@
     </p:spTree>
     <p:extLst>
       <p:ext uri="{BB962C8B-B14F-4D97-AF65-F5344CB8AC3E}">
-        <p14:creationId xmlns:p14="http://schemas.microsoft.com/office/powerpoint/2010/main" val="1460671575"/>
+        <p14:creationId xmlns:p14="http://schemas.microsoft.com/office/powerpoint/2010/main" val="2908112611"/>
       </p:ext>
     </p:extLst>
   </p:cSld>
@@ -12661,6 +12814,66 @@
           <a:chExt cx="0" cy="0"/>
         </a:xfrm>
       </p:grpSpPr>
+      <p:pic>
+        <p:nvPicPr>
+          <p:cNvPr id="3" name="Picture 2">
+            <a:extLst>
+              <a:ext uri="{FF2B5EF4-FFF2-40B4-BE49-F238E27FC236}">
+                <a16:creationId xmlns:a16="http://schemas.microsoft.com/office/drawing/2014/main" id="{8613C638-ED8B-6A97-D93E-60FA1C47FC70}"/>
+              </a:ext>
+            </a:extLst>
+          </p:cNvPr>
+          <p:cNvPicPr>
+            <a:picLocks noChangeAspect="1"/>
+          </p:cNvPicPr>
+          <p:nvPr/>
+        </p:nvPicPr>
+        <p:blipFill>
+          <a:blip r:embed="rId3"/>
+          <a:stretch>
+            <a:fillRect/>
+          </a:stretch>
+        </p:blipFill>
+        <p:spPr>
+          <a:xfrm>
+            <a:off x="1554086" y="277857"/>
+            <a:ext cx="9083827" cy="6302286"/>
+          </a:xfrm>
+          <a:prstGeom prst="rect">
+            <a:avLst/>
+          </a:prstGeom>
+        </p:spPr>
+      </p:pic>
+    </p:spTree>
+    <p:extLst>
+      <p:ext uri="{BB962C8B-B14F-4D97-AF65-F5344CB8AC3E}">
+        <p14:creationId xmlns:p14="http://schemas.microsoft.com/office/powerpoint/2010/main" val="3596459359"/>
+      </p:ext>
+    </p:extLst>
+  </p:cSld>
+  <p:clrMapOvr>
+    <a:masterClrMapping/>
+  </p:clrMapOvr>
+</p:sld>
+</file>
+
+<file path=ppt/slides/slide11.xml><?xml version="1.0" encoding="utf-8"?>
+<p:sld xmlns:a="http://schemas.openxmlformats.org/drawingml/2006/main" xmlns:r="http://schemas.openxmlformats.org/officeDocument/2006/relationships" xmlns:p="http://schemas.openxmlformats.org/presentationml/2006/main">
+  <p:cSld>
+    <p:spTree>
+      <p:nvGrpSpPr>
+        <p:cNvPr id="1" name=""/>
+        <p:cNvGrpSpPr/>
+        <p:nvPr/>
+      </p:nvGrpSpPr>
+      <p:grpSpPr>
+        <a:xfrm>
+          <a:off x="0" y="0"/>
+          <a:ext cx="0" cy="0"/>
+          <a:chOff x="0" y="0"/>
+          <a:chExt cx="0" cy="0"/>
+        </a:xfrm>
+      </p:grpSpPr>
       <p:sp>
         <p:nvSpPr>
           <p:cNvPr id="6" name="Title 5"/>
@@ -12804,7 +13017,7 @@
 </p:sld>
 </file>
 
-<file path=ppt/slides/slide11.xml><?xml version="1.0" encoding="utf-8"?>
+<file path=ppt/slides/slide12.xml><?xml version="1.0" encoding="utf-8"?>
 <p:sld xmlns:a="http://schemas.openxmlformats.org/drawingml/2006/main" xmlns:r="http://schemas.openxmlformats.org/officeDocument/2006/relationships" xmlns:p="http://schemas.openxmlformats.org/presentationml/2006/main">
   <p:cSld>
     <p:spTree>
@@ -12929,7 +13142,7 @@
         </p:spPr>
         <p:txBody>
           <a:bodyPr>
-            <a:normAutofit fontScale="85000" lnSpcReduction="20000"/>
+            <a:normAutofit fontScale="92500" lnSpcReduction="10000"/>
           </a:bodyPr>
           <a:lstStyle/>
           <a:p>
@@ -12985,7 +13198,7 @@
                   </a:schemeClr>
                 </a:solidFill>
               </a:rPr>
-              <a:t>Interactive world map</a:t>
+              <a:t>Team statistics comparison</a:t>
             </a:r>
           </a:p>
           <a:p>
@@ -12999,7 +13212,7 @@
                   </a:schemeClr>
                 </a:solidFill>
               </a:rPr>
-              <a:t>Winning team comparison</a:t>
+              <a:t>Team statistics information</a:t>
             </a:r>
           </a:p>
           <a:p>
@@ -13013,21 +13226,7 @@
                   </a:schemeClr>
                 </a:solidFill>
               </a:rPr>
-              <a:t>Player statistics information</a:t>
-            </a:r>
-          </a:p>
-          <a:p>
-            <a:pPr algn="l"/>
-            <a:r>
-              <a:rPr lang="en-US" dirty="0">
-                <a:solidFill>
-                  <a:schemeClr val="tx1">
-                    <a:lumMod val="85000"/>
-                    <a:lumOff val="15000"/>
-                  </a:schemeClr>
-                </a:solidFill>
-              </a:rPr>
-              <a:t>Goalie statistics comparison</a:t>
+              <a:t>Goalie statistics</a:t>
             </a:r>
           </a:p>
         </p:txBody>
@@ -13798,6 +13997,88 @@
       </p:grpSpPr>
       <p:sp>
         <p:nvSpPr>
+          <p:cNvPr id="4" name="Title 3"/>
+          <p:cNvSpPr>
+            <a:spLocks noGrp="1"/>
+          </p:cNvSpPr>
+          <p:nvPr>
+            <p:ph type="title"/>
+          </p:nvPr>
+        </p:nvSpPr>
+        <p:spPr/>
+        <p:txBody>
+          <a:bodyPr/>
+          <a:lstStyle/>
+          <a:p>
+            <a:r>
+              <a:rPr lang="en-US" dirty="0"/>
+              <a:t>Data and Resources:</a:t>
+            </a:r>
+          </a:p>
+        </p:txBody>
+      </p:sp>
+      <p:pic>
+        <p:nvPicPr>
+          <p:cNvPr id="3" name="Picture 2">
+            <a:extLst>
+              <a:ext uri="{FF2B5EF4-FFF2-40B4-BE49-F238E27FC236}">
+                <a16:creationId xmlns:a16="http://schemas.microsoft.com/office/drawing/2014/main" id="{22B31CC3-5AA2-CFC5-B3E2-22D662198DD1}"/>
+              </a:ext>
+            </a:extLst>
+          </p:cNvPr>
+          <p:cNvPicPr>
+            <a:picLocks noChangeAspect="1"/>
+          </p:cNvPicPr>
+          <p:nvPr/>
+        </p:nvPicPr>
+        <p:blipFill>
+          <a:blip r:embed="rId3"/>
+          <a:stretch>
+            <a:fillRect/>
+          </a:stretch>
+        </p:blipFill>
+        <p:spPr>
+          <a:xfrm>
+            <a:off x="974785" y="2190642"/>
+            <a:ext cx="8686800" cy="2476715"/>
+          </a:xfrm>
+          <a:prstGeom prst="rect">
+            <a:avLst/>
+          </a:prstGeom>
+        </p:spPr>
+      </p:pic>
+    </p:spTree>
+    <p:extLst>
+      <p:ext uri="{BB962C8B-B14F-4D97-AF65-F5344CB8AC3E}">
+        <p14:creationId xmlns:p14="http://schemas.microsoft.com/office/powerpoint/2010/main" val="2027843482"/>
+      </p:ext>
+    </p:extLst>
+  </p:cSld>
+  <p:clrMapOvr>
+    <a:masterClrMapping/>
+  </p:clrMapOvr>
+</p:sld>
+</file>
+
+<file path=ppt/slides/slide7.xml><?xml version="1.0" encoding="utf-8"?>
+<p:sld xmlns:a="http://schemas.openxmlformats.org/drawingml/2006/main" xmlns:r="http://schemas.openxmlformats.org/officeDocument/2006/relationships" xmlns:p="http://schemas.openxmlformats.org/presentationml/2006/main">
+  <p:cSld>
+    <p:spTree>
+      <p:nvGrpSpPr>
+        <p:cNvPr id="1" name=""/>
+        <p:cNvGrpSpPr/>
+        <p:nvPr/>
+      </p:nvGrpSpPr>
+      <p:grpSpPr>
+        <a:xfrm>
+          <a:off x="0" y="0"/>
+          <a:ext cx="0" cy="0"/>
+          <a:chOff x="0" y="0"/>
+          <a:chExt cx="0" cy="0"/>
+        </a:xfrm>
+      </p:grpSpPr>
+      <p:sp>
+        <p:nvSpPr>
           <p:cNvPr id="6" name="Title 5"/>
           <p:cNvSpPr>
             <a:spLocks noGrp="1"/>
@@ -13939,7 +14220,7 @@
 </p:sld>
 </file>
 
-<file path=ppt/slides/slide7.xml><?xml version="1.0" encoding="utf-8"?>
+<file path=ppt/slides/slide8.xml><?xml version="1.0" encoding="utf-8"?>
 <p:sld xmlns:a="http://schemas.openxmlformats.org/drawingml/2006/main" xmlns:r="http://schemas.openxmlformats.org/officeDocument/2006/relationships" xmlns:p="http://schemas.openxmlformats.org/presentationml/2006/main">
   <p:cSld>
     <p:spTree>
@@ -14016,6 +14297,36 @@
           </a:prstGeom>
         </p:spPr>
       </p:pic>
+      <p:pic>
+        <p:nvPicPr>
+          <p:cNvPr id="4" name="Picture 3">
+            <a:extLst>
+              <a:ext uri="{FF2B5EF4-FFF2-40B4-BE49-F238E27FC236}">
+                <a16:creationId xmlns:a16="http://schemas.microsoft.com/office/drawing/2014/main" id="{E305B03F-3791-9340-CDEE-4D9C474F6F4D}"/>
+              </a:ext>
+            </a:extLst>
+          </p:cNvPr>
+          <p:cNvPicPr>
+            <a:picLocks noChangeAspect="1"/>
+          </p:cNvPicPr>
+          <p:nvPr/>
+        </p:nvPicPr>
+        <p:blipFill>
+          <a:blip r:embed="rId5"/>
+          <a:stretch>
+            <a:fillRect/>
+          </a:stretch>
+        </p:blipFill>
+        <p:spPr>
+          <a:xfrm>
+            <a:off x="1599810" y="1268543"/>
+            <a:ext cx="8992379" cy="5309314"/>
+          </a:xfrm>
+          <a:prstGeom prst="rect">
+            <a:avLst/>
+          </a:prstGeom>
+        </p:spPr>
+      </p:pic>
     </p:spTree>
     <p:extLst>
       <p:ext uri="{BB962C8B-B14F-4D97-AF65-F5344CB8AC3E}">
@@ -14029,7 +14340,7 @@
 </p:sld>
 </file>
 
-<file path=ppt/slides/slide8.xml><?xml version="1.0" encoding="utf-8"?>
+<file path=ppt/slides/slide9.xml><?xml version="1.0" encoding="utf-8"?>
 <p:sld xmlns:a="http://schemas.openxmlformats.org/drawingml/2006/main" xmlns:r="http://schemas.openxmlformats.org/officeDocument/2006/relationships" xmlns:p="http://schemas.openxmlformats.org/presentationml/2006/main">
   <p:cSld>
     <p:spTree>
@@ -14184,66 +14495,6 @@
     <p:extLst>
       <p:ext uri="{BB962C8B-B14F-4D97-AF65-F5344CB8AC3E}">
         <p14:creationId xmlns:p14="http://schemas.microsoft.com/office/powerpoint/2010/main" val="3377707933"/>
-      </p:ext>
-    </p:extLst>
-  </p:cSld>
-  <p:clrMapOvr>
-    <a:masterClrMapping/>
-  </p:clrMapOvr>
-</p:sld>
-</file>
-
-<file path=ppt/slides/slide9.xml><?xml version="1.0" encoding="utf-8"?>
-<p:sld xmlns:a="http://schemas.openxmlformats.org/drawingml/2006/main" xmlns:r="http://schemas.openxmlformats.org/officeDocument/2006/relationships" xmlns:p="http://schemas.openxmlformats.org/presentationml/2006/main">
-  <p:cSld>
-    <p:spTree>
-      <p:nvGrpSpPr>
-        <p:cNvPr id="1" name=""/>
-        <p:cNvGrpSpPr/>
-        <p:nvPr/>
-      </p:nvGrpSpPr>
-      <p:grpSpPr>
-        <a:xfrm>
-          <a:off x="0" y="0"/>
-          <a:ext cx="0" cy="0"/>
-          <a:chOff x="0" y="0"/>
-          <a:chExt cx="0" cy="0"/>
-        </a:xfrm>
-      </p:grpSpPr>
-      <p:pic>
-        <p:nvPicPr>
-          <p:cNvPr id="3" name="Picture 2">
-            <a:extLst>
-              <a:ext uri="{FF2B5EF4-FFF2-40B4-BE49-F238E27FC236}">
-                <a16:creationId xmlns:a16="http://schemas.microsoft.com/office/drawing/2014/main" id="{8613C638-ED8B-6A97-D93E-60FA1C47FC70}"/>
-              </a:ext>
-            </a:extLst>
-          </p:cNvPr>
-          <p:cNvPicPr>
-            <a:picLocks noChangeAspect="1"/>
-          </p:cNvPicPr>
-          <p:nvPr/>
-        </p:nvPicPr>
-        <p:blipFill>
-          <a:blip r:embed="rId3"/>
-          <a:stretch>
-            <a:fillRect/>
-          </a:stretch>
-        </p:blipFill>
-        <p:spPr>
-          <a:xfrm>
-            <a:off x="1554086" y="277857"/>
-            <a:ext cx="9083827" cy="6302286"/>
-          </a:xfrm>
-          <a:prstGeom prst="rect">
-            <a:avLst/>
-          </a:prstGeom>
-        </p:spPr>
-      </p:pic>
-    </p:spTree>
-    <p:extLst>
-      <p:ext uri="{BB962C8B-B14F-4D97-AF65-F5344CB8AC3E}">
-        <p14:creationId xmlns:p14="http://schemas.microsoft.com/office/powerpoint/2010/main" val="3596459359"/>
       </p:ext>
     </p:extLst>
   </p:cSld>
